--- a/ProbelmSet1/SearcheTreeGraph.pptx
+++ b/ProbelmSet1/SearcheTreeGraph.pptx
@@ -290,7 +290,7 @@
           <a:p>
             <a:fld id="{BC7AE7F0-2D43-7D4A-8BA2-8A545DF62F38}" type="datetimeFigureOut">
               <a:rPr lang="en-US" smtClean="0"/>
-              <a:t>9/14/15</a:t>
+              <a:t>9/16/15</a:t>
             </a:fld>
             <a:endParaRPr lang="en-US"/>
           </a:p>
@@ -460,7 +460,7 @@
           <a:p>
             <a:fld id="{BC7AE7F0-2D43-7D4A-8BA2-8A545DF62F38}" type="datetimeFigureOut">
               <a:rPr lang="en-US" smtClean="0"/>
-              <a:t>9/14/15</a:t>
+              <a:t>9/16/15</a:t>
             </a:fld>
             <a:endParaRPr lang="en-US"/>
           </a:p>
@@ -640,7 +640,7 @@
           <a:p>
             <a:fld id="{BC7AE7F0-2D43-7D4A-8BA2-8A545DF62F38}" type="datetimeFigureOut">
               <a:rPr lang="en-US" smtClean="0"/>
-              <a:t>9/14/15</a:t>
+              <a:t>9/16/15</a:t>
             </a:fld>
             <a:endParaRPr lang="en-US"/>
           </a:p>
@@ -810,7 +810,7 @@
           <a:p>
             <a:fld id="{BC7AE7F0-2D43-7D4A-8BA2-8A545DF62F38}" type="datetimeFigureOut">
               <a:rPr lang="en-US" smtClean="0"/>
-              <a:t>9/14/15</a:t>
+              <a:t>9/16/15</a:t>
             </a:fld>
             <a:endParaRPr lang="en-US"/>
           </a:p>
@@ -1056,7 +1056,7 @@
           <a:p>
             <a:fld id="{BC7AE7F0-2D43-7D4A-8BA2-8A545DF62F38}" type="datetimeFigureOut">
               <a:rPr lang="en-US" smtClean="0"/>
-              <a:t>9/14/15</a:t>
+              <a:t>9/16/15</a:t>
             </a:fld>
             <a:endParaRPr lang="en-US"/>
           </a:p>
@@ -1344,7 +1344,7 @@
           <a:p>
             <a:fld id="{BC7AE7F0-2D43-7D4A-8BA2-8A545DF62F38}" type="datetimeFigureOut">
               <a:rPr lang="en-US" smtClean="0"/>
-              <a:t>9/14/15</a:t>
+              <a:t>9/16/15</a:t>
             </a:fld>
             <a:endParaRPr lang="en-US"/>
           </a:p>
@@ -1766,7 +1766,7 @@
           <a:p>
             <a:fld id="{BC7AE7F0-2D43-7D4A-8BA2-8A545DF62F38}" type="datetimeFigureOut">
               <a:rPr lang="en-US" smtClean="0"/>
-              <a:t>9/14/15</a:t>
+              <a:t>9/16/15</a:t>
             </a:fld>
             <a:endParaRPr lang="en-US"/>
           </a:p>
@@ -1884,7 +1884,7 @@
           <a:p>
             <a:fld id="{BC7AE7F0-2D43-7D4A-8BA2-8A545DF62F38}" type="datetimeFigureOut">
               <a:rPr lang="en-US" smtClean="0"/>
-              <a:t>9/14/15</a:t>
+              <a:t>9/16/15</a:t>
             </a:fld>
             <a:endParaRPr lang="en-US"/>
           </a:p>
@@ -1979,7 +1979,7 @@
           <a:p>
             <a:fld id="{BC7AE7F0-2D43-7D4A-8BA2-8A545DF62F38}" type="datetimeFigureOut">
               <a:rPr lang="en-US" smtClean="0"/>
-              <a:t>9/14/15</a:t>
+              <a:t>9/16/15</a:t>
             </a:fld>
             <a:endParaRPr lang="en-US"/>
           </a:p>
@@ -2256,7 +2256,7 @@
           <a:p>
             <a:fld id="{BC7AE7F0-2D43-7D4A-8BA2-8A545DF62F38}" type="datetimeFigureOut">
               <a:rPr lang="en-US" smtClean="0"/>
-              <a:t>9/14/15</a:t>
+              <a:t>9/16/15</a:t>
             </a:fld>
             <a:endParaRPr lang="en-US"/>
           </a:p>
@@ -2509,7 +2509,7 @@
           <a:p>
             <a:fld id="{BC7AE7F0-2D43-7D4A-8BA2-8A545DF62F38}" type="datetimeFigureOut">
               <a:rPr lang="en-US" smtClean="0"/>
-              <a:t>9/14/15</a:t>
+              <a:t>9/16/15</a:t>
             </a:fld>
             <a:endParaRPr lang="en-US"/>
           </a:p>
@@ -2722,7 +2722,7 @@
           <a:p>
             <a:fld id="{BC7AE7F0-2D43-7D4A-8BA2-8A545DF62F38}" type="datetimeFigureOut">
               <a:rPr lang="en-US" smtClean="0"/>
-              <a:t>9/14/15</a:t>
+              <a:t>9/16/15</a:t>
             </a:fld>
             <a:endParaRPr lang="en-US"/>
           </a:p>
@@ -9344,7 +9344,9 @@
             <a:avLst/>
           </a:prstGeom>
           <a:solidFill>
-            <a:srgbClr val="FFFFFF"/>
+            <a:schemeClr val="bg1">
+              <a:lumMod val="75000"/>
+            </a:schemeClr>
           </a:solidFill>
           <a:ln>
             <a:solidFill>
@@ -9520,7 +9522,7 @@
         <p:spPr>
           <a:xfrm>
             <a:off x="4480793" y="6460201"/>
-            <a:ext cx="569387" cy="307777"/>
+            <a:ext cx="568635" cy="307777"/>
           </a:xfrm>
           <a:prstGeom prst="rect">
             <a:avLst/>
@@ -9538,7 +9540,7 @@
                 <a:latin typeface="Times"/>
                 <a:cs typeface="Times"/>
               </a:rPr>
-              <a:t>Fig.1</a:t>
+              <a:t>Fig.2</a:t>
             </a:r>
             <a:endParaRPr lang="en-US" sz="1400" b="1" dirty="0">
               <a:latin typeface="Times"/>
@@ -12495,7 +12497,7 @@
             <a:avLst/>
           </a:prstGeom>
           <a:solidFill>
-            <a:srgbClr val="A6A6A6"/>
+            <a:schemeClr val="bg1"/>
           </a:solidFill>
           <a:ln>
             <a:solidFill>
@@ -12605,7 +12607,7 @@
             <a:avLst/>
           </a:prstGeom>
           <a:solidFill>
-            <a:srgbClr val="A6A6A6"/>
+            <a:srgbClr val="FFFFFF"/>
           </a:solidFill>
           <a:ln>
             <a:solidFill>
@@ -12916,14 +12918,14 @@
       </p:sp>
       <p:cxnSp>
         <p:nvCxnSpPr>
-          <p:cNvPr id="120" name="Straight Connector 119"/>
+          <p:cNvPr id="132" name="Straight Connector 131"/>
           <p:cNvCxnSpPr/>
           <p:nvPr/>
         </p:nvCxnSpPr>
         <p:spPr>
           <a:xfrm flipH="1">
-            <a:off x="7004889" y="3165574"/>
-            <a:ext cx="233968" cy="242681"/>
+            <a:off x="6467173" y="3610582"/>
+            <a:ext cx="113514" cy="319068"/>
           </a:xfrm>
           <a:prstGeom prst="line">
             <a:avLst/>
@@ -12944,15 +12946,136 @@
           </a:fontRef>
         </p:style>
       </p:cxnSp>
-      <p:sp>
-        <p:nvSpPr>
-          <p:cNvPr id="121" name="Oval 120"/>
-          <p:cNvSpPr/>
-          <p:nvPr/>
-        </p:nvSpPr>
-        <p:spPr>
-          <a:xfrm>
-            <a:off x="6855379" y="3408907"/>
+      <p:cxnSp>
+        <p:nvCxnSpPr>
+          <p:cNvPr id="133" name="Straight Connector 132"/>
+          <p:cNvCxnSpPr/>
+          <p:nvPr/>
+        </p:nvCxnSpPr>
+        <p:spPr>
+          <a:xfrm>
+            <a:off x="6751119" y="3610582"/>
+            <a:ext cx="139745" cy="319068"/>
+          </a:xfrm>
+          <a:prstGeom prst="line">
+            <a:avLst/>
+          </a:prstGeom>
+        </p:spPr>
+        <p:style>
+          <a:lnRef idx="1">
+            <a:schemeClr val="dk1"/>
+          </a:lnRef>
+          <a:fillRef idx="0">
+            <a:schemeClr val="dk1"/>
+          </a:fillRef>
+          <a:effectRef idx="0">
+            <a:schemeClr val="dk1"/>
+          </a:effectRef>
+          <a:fontRef idx="minor">
+            <a:schemeClr val="tx1"/>
+          </a:fontRef>
+        </p:style>
+      </p:cxnSp>
+      <p:sp>
+        <p:nvSpPr>
+          <p:cNvPr id="134" name="Oval 133"/>
+          <p:cNvSpPr/>
+          <p:nvPr/>
+        </p:nvSpPr>
+        <p:spPr>
+          <a:xfrm>
+            <a:off x="6340339" y="3932147"/>
+            <a:ext cx="241028" cy="241038"/>
+          </a:xfrm>
+          <a:prstGeom prst="ellipse">
+            <a:avLst/>
+          </a:prstGeom>
+          <a:solidFill>
+            <a:srgbClr val="A6A6A6"/>
+          </a:solidFill>
+          <a:ln>
+            <a:solidFill>
+              <a:srgbClr val="000000"/>
+            </a:solidFill>
+          </a:ln>
+          <a:effectLst>
+            <a:outerShdw blurRad="40000" dist="23000" dir="5400000" rotWithShape="0">
+              <a:srgbClr val="000000">
+                <a:alpha val="35000"/>
+              </a:srgbClr>
+            </a:outerShdw>
+          </a:effectLst>
+        </p:spPr>
+        <p:style>
+          <a:lnRef idx="1">
+            <a:schemeClr val="accent1"/>
+          </a:lnRef>
+          <a:fillRef idx="3">
+            <a:schemeClr val="accent1"/>
+          </a:fillRef>
+          <a:effectRef idx="2">
+            <a:schemeClr val="accent1"/>
+          </a:effectRef>
+          <a:fontRef idx="minor">
+            <a:schemeClr val="lt1"/>
+          </a:fontRef>
+        </p:style>
+        <p:txBody>
+          <a:bodyPr rtlCol="0" anchor="ctr"/>
+          <a:lstStyle/>
+          <a:p>
+            <a:pPr algn="ctr"/>
+            <a:endParaRPr lang="en-US">
+              <a:effectLst/>
+            </a:endParaRPr>
+          </a:p>
+        </p:txBody>
+      </p:sp>
+      <p:sp>
+        <p:nvSpPr>
+          <p:cNvPr id="135" name="Rectangle 134"/>
+          <p:cNvSpPr/>
+          <p:nvPr/>
+        </p:nvSpPr>
+        <p:spPr>
+          <a:xfrm>
+            <a:off x="6215773" y="3897906"/>
+            <a:ext cx="505267" cy="276999"/>
+          </a:xfrm>
+          <a:prstGeom prst="rect">
+            <a:avLst/>
+          </a:prstGeom>
+        </p:spPr>
+        <p:txBody>
+          <a:bodyPr wrap="none">
+            <a:spAutoFit/>
+          </a:bodyPr>
+          <a:lstStyle/>
+          <a:p>
+            <a:r>
+              <a:rPr lang="en-US" altLang="zh-CN" sz="1200" dirty="0" smtClean="0">
+                <a:latin typeface="Times"/>
+                <a:ea typeface="Lucida Grande"/>
+                <a:cs typeface="Times"/>
+              </a:rPr>
+              <a:t>AEC</a:t>
+            </a:r>
+            <a:endParaRPr lang="en-US" sz="1200" dirty="0">
+              <a:latin typeface="Times"/>
+              <a:cs typeface="Times"/>
+            </a:endParaRPr>
+          </a:p>
+        </p:txBody>
+      </p:sp>
+      <p:sp>
+        <p:nvSpPr>
+          <p:cNvPr id="136" name="Oval 135"/>
+          <p:cNvSpPr/>
+          <p:nvPr/>
+        </p:nvSpPr>
+        <p:spPr>
+          <a:xfrm>
+            <a:off x="6780109" y="3926940"/>
             <a:ext cx="241028" cy="241038"/>
           </a:xfrm>
           <a:prstGeom prst="ellipse">
@@ -12999,58 +13122,59 @@
           </a:p>
         </p:txBody>
       </p:sp>
-      <p:cxnSp>
-        <p:nvCxnSpPr>
-          <p:cNvPr id="122" name="Straight Connector 121"/>
-          <p:cNvCxnSpPr/>
-          <p:nvPr/>
-        </p:nvCxnSpPr>
-        <p:spPr>
-          <a:xfrm>
-            <a:off x="7427829" y="3174845"/>
-            <a:ext cx="263063" cy="234062"/>
-          </a:xfrm>
-          <a:prstGeom prst="line">
-            <a:avLst/>
-          </a:prstGeom>
-        </p:spPr>
-        <p:style>
-          <a:lnRef idx="1">
-            <a:schemeClr val="dk1"/>
-          </a:lnRef>
-          <a:fillRef idx="0">
-            <a:schemeClr val="dk1"/>
-          </a:fillRef>
-          <a:effectRef idx="0">
-            <a:schemeClr val="dk1"/>
-          </a:effectRef>
-          <a:fontRef idx="minor">
+      <p:sp>
+        <p:nvSpPr>
+          <p:cNvPr id="137" name="Rectangle 136"/>
+          <p:cNvSpPr/>
+          <p:nvPr/>
+        </p:nvSpPr>
+        <p:spPr>
+          <a:xfrm>
+            <a:off x="6655543" y="3892699"/>
+            <a:ext cx="505267" cy="276999"/>
+          </a:xfrm>
+          <a:prstGeom prst="rect">
+            <a:avLst/>
+          </a:prstGeom>
+        </p:spPr>
+        <p:txBody>
+          <a:bodyPr wrap="none">
+            <a:spAutoFit/>
+          </a:bodyPr>
+          <a:lstStyle/>
+          <a:p>
+            <a:r>
+              <a:rPr lang="en-US" altLang="zh-CN" sz="1200" dirty="0" smtClean="0">
+                <a:latin typeface="Times"/>
+                <a:ea typeface="Lucida Grande"/>
+                <a:cs typeface="Times"/>
+              </a:rPr>
+              <a:t>AEB</a:t>
+            </a:r>
+            <a:endParaRPr lang="en-US" sz="1200" dirty="0">
+              <a:latin typeface="Times"/>
+              <a:cs typeface="Times"/>
+            </a:endParaRPr>
+          </a:p>
+        </p:txBody>
+      </p:sp>
+      <p:sp>
+        <p:nvSpPr>
+          <p:cNvPr id="138" name="Right Arrow 137"/>
+          <p:cNvSpPr/>
+          <p:nvPr/>
+        </p:nvSpPr>
+        <p:spPr>
+          <a:xfrm>
+            <a:off x="6099968" y="4023725"/>
+            <a:ext cx="111243" cy="116440"/>
+          </a:xfrm>
+          <a:prstGeom prst="rightArrow">
+            <a:avLst/>
+          </a:prstGeom>
+          <a:solidFill>
             <a:schemeClr val="tx1"/>
-          </a:fontRef>
-        </p:style>
-      </p:cxnSp>
-      <p:sp>
-        <p:nvSpPr>
-          <p:cNvPr id="123" name="Oval 122"/>
-          <p:cNvSpPr/>
-          <p:nvPr/>
-        </p:nvSpPr>
-        <p:spPr>
-          <a:xfrm>
-            <a:off x="7554709" y="3412971"/>
-            <a:ext cx="241028" cy="241038"/>
-          </a:xfrm>
-          <a:prstGeom prst="ellipse">
-            <a:avLst/>
-          </a:prstGeom>
-          <a:solidFill>
-            <a:schemeClr val="bg1"/>
           </a:solidFill>
-          <a:ln>
-            <a:solidFill>
-              <a:srgbClr val="000000"/>
-            </a:solidFill>
-          </a:ln>
           <a:effectLst>
             <a:outerShdw blurRad="40000" dist="23000" dir="5400000" rotWithShape="0">
               <a:srgbClr val="000000">
@@ -13061,13 +13185,13 @@
         </p:spPr>
         <p:style>
           <a:lnRef idx="1">
-            <a:schemeClr val="accent1"/>
+            <a:schemeClr val="dk1"/>
           </a:lnRef>
           <a:fillRef idx="3">
-            <a:schemeClr val="accent1"/>
+            <a:schemeClr val="dk1"/>
           </a:fillRef>
           <a:effectRef idx="2">
-            <a:schemeClr val="accent1"/>
+            <a:schemeClr val="dk1"/>
           </a:effectRef>
           <a:fontRef idx="minor">
             <a:schemeClr val="lt1"/>
@@ -13078,403 +13202,19 @@
           <a:lstStyle/>
           <a:p>
             <a:pPr algn="ctr"/>
-            <a:endParaRPr lang="en-US">
-              <a:effectLst/>
-            </a:endParaRPr>
-          </a:p>
-        </p:txBody>
-      </p:sp>
-      <p:sp>
-        <p:nvSpPr>
-          <p:cNvPr id="124" name="Rectangle 123"/>
-          <p:cNvSpPr/>
-          <p:nvPr/>
-        </p:nvSpPr>
-        <p:spPr>
-          <a:xfrm>
-            <a:off x="7477844" y="3379308"/>
-            <a:ext cx="385141" cy="276999"/>
-          </a:xfrm>
-          <a:prstGeom prst="rect">
-            <a:avLst/>
-          </a:prstGeom>
-        </p:spPr>
-        <p:txBody>
-          <a:bodyPr wrap="none">
-            <a:spAutoFit/>
-          </a:bodyPr>
-          <a:lstStyle/>
-          <a:p>
-            <a:r>
-              <a:rPr lang="zh-CN" altLang="zh-CN" sz="1200" dirty="0">
-                <a:latin typeface="Times"/>
-                <a:ea typeface="Lucida Grande"/>
-                <a:cs typeface="Times"/>
-              </a:rPr>
-              <a:t>C</a:t>
-            </a:r>
-            <a:r>
-              <a:rPr lang="en-US" altLang="zh-CN" sz="1200" dirty="0" smtClean="0">
-                <a:latin typeface="Times"/>
-                <a:ea typeface="Lucida Grande"/>
-                <a:cs typeface="Times"/>
-              </a:rPr>
-              <a:t>E</a:t>
-            </a:r>
-            <a:endParaRPr lang="en-US" sz="1200" dirty="0">
-              <a:latin typeface="Times"/>
-              <a:cs typeface="Times"/>
-            </a:endParaRPr>
-          </a:p>
-        </p:txBody>
-      </p:sp>
-      <p:sp>
-        <p:nvSpPr>
-          <p:cNvPr id="125" name="Rectangle 124"/>
-          <p:cNvSpPr/>
-          <p:nvPr/>
-        </p:nvSpPr>
-        <p:spPr>
-          <a:xfrm>
-            <a:off x="6777163" y="3374666"/>
-            <a:ext cx="398441" cy="276999"/>
-          </a:xfrm>
-          <a:prstGeom prst="rect">
-            <a:avLst/>
-          </a:prstGeom>
-        </p:spPr>
-        <p:txBody>
-          <a:bodyPr wrap="none">
-            <a:spAutoFit/>
-          </a:bodyPr>
-          <a:lstStyle/>
-          <a:p>
-            <a:r>
-              <a:rPr lang="en-US" altLang="zh-CN" sz="1200" dirty="0" smtClean="0">
-                <a:latin typeface="Times"/>
-                <a:ea typeface="Lucida Grande"/>
-                <a:cs typeface="Times"/>
-              </a:rPr>
-              <a:t>CA</a:t>
-            </a:r>
-            <a:endParaRPr lang="en-US" sz="1200" dirty="0">
-              <a:latin typeface="Times"/>
-              <a:cs typeface="Times"/>
-            </a:endParaRPr>
-          </a:p>
-        </p:txBody>
-      </p:sp>
-      <p:cxnSp>
-        <p:nvCxnSpPr>
-          <p:cNvPr id="126" name="Straight Connector 125"/>
-          <p:cNvCxnSpPr/>
-          <p:nvPr/>
-        </p:nvCxnSpPr>
-        <p:spPr>
-          <a:xfrm flipH="1">
-            <a:off x="7991589" y="3160367"/>
-            <a:ext cx="233968" cy="242681"/>
-          </a:xfrm>
-          <a:prstGeom prst="line">
-            <a:avLst/>
-          </a:prstGeom>
-        </p:spPr>
-        <p:style>
-          <a:lnRef idx="1">
-            <a:schemeClr val="dk1"/>
-          </a:lnRef>
-          <a:fillRef idx="0">
-            <a:schemeClr val="dk1"/>
-          </a:fillRef>
-          <a:effectRef idx="0">
-            <a:schemeClr val="dk1"/>
-          </a:effectRef>
-          <a:fontRef idx="minor">
-            <a:schemeClr val="tx1"/>
-          </a:fontRef>
-        </p:style>
-      </p:cxnSp>
-      <p:sp>
-        <p:nvSpPr>
-          <p:cNvPr id="127" name="Oval 126"/>
-          <p:cNvSpPr/>
-          <p:nvPr/>
-        </p:nvSpPr>
-        <p:spPr>
-          <a:xfrm>
-            <a:off x="7842079" y="3403700"/>
-            <a:ext cx="241028" cy="241038"/>
-          </a:xfrm>
-          <a:prstGeom prst="ellipse">
-            <a:avLst/>
-          </a:prstGeom>
-          <a:solidFill>
-            <a:schemeClr val="bg1"/>
-          </a:solidFill>
-          <a:ln>
-            <a:solidFill>
-              <a:srgbClr val="000000"/>
-            </a:solidFill>
-          </a:ln>
-          <a:effectLst>
-            <a:outerShdw blurRad="40000" dist="23000" dir="5400000" rotWithShape="0">
-              <a:srgbClr val="000000">
-                <a:alpha val="35000"/>
-              </a:srgbClr>
-            </a:outerShdw>
-          </a:effectLst>
-        </p:spPr>
-        <p:style>
-          <a:lnRef idx="1">
-            <a:schemeClr val="accent1"/>
-          </a:lnRef>
-          <a:fillRef idx="3">
-            <a:schemeClr val="accent1"/>
-          </a:fillRef>
-          <a:effectRef idx="2">
-            <a:schemeClr val="accent1"/>
-          </a:effectRef>
-          <a:fontRef idx="minor">
-            <a:schemeClr val="lt1"/>
-          </a:fontRef>
-        </p:style>
-        <p:txBody>
-          <a:bodyPr rtlCol="0" anchor="ctr"/>
-          <a:lstStyle/>
-          <a:p>
-            <a:pPr algn="ctr"/>
-            <a:endParaRPr lang="en-US">
-              <a:effectLst/>
-            </a:endParaRPr>
-          </a:p>
-        </p:txBody>
-      </p:sp>
-      <p:cxnSp>
-        <p:nvCxnSpPr>
-          <p:cNvPr id="128" name="Straight Connector 127"/>
-          <p:cNvCxnSpPr/>
-          <p:nvPr/>
-        </p:nvCxnSpPr>
-        <p:spPr>
-          <a:xfrm>
-            <a:off x="8377654" y="3160367"/>
-            <a:ext cx="263063" cy="234062"/>
-          </a:xfrm>
-          <a:prstGeom prst="line">
-            <a:avLst/>
-          </a:prstGeom>
-        </p:spPr>
-        <p:style>
-          <a:lnRef idx="1">
-            <a:schemeClr val="dk1"/>
-          </a:lnRef>
-          <a:fillRef idx="0">
-            <a:schemeClr val="dk1"/>
-          </a:fillRef>
-          <a:effectRef idx="0">
-            <a:schemeClr val="dk1"/>
-          </a:effectRef>
-          <a:fontRef idx="minor">
-            <a:schemeClr val="tx1"/>
-          </a:fontRef>
-        </p:style>
-      </p:cxnSp>
-      <p:sp>
-        <p:nvSpPr>
-          <p:cNvPr id="129" name="Oval 128"/>
-          <p:cNvSpPr/>
-          <p:nvPr/>
-        </p:nvSpPr>
-        <p:spPr>
-          <a:xfrm>
-            <a:off x="8559949" y="3398493"/>
-            <a:ext cx="241028" cy="241038"/>
-          </a:xfrm>
-          <a:prstGeom prst="ellipse">
-            <a:avLst/>
-          </a:prstGeom>
-          <a:solidFill>
-            <a:schemeClr val="bg1"/>
-          </a:solidFill>
-          <a:ln>
-            <a:solidFill>
-              <a:srgbClr val="000000"/>
-            </a:solidFill>
-          </a:ln>
-          <a:effectLst>
-            <a:outerShdw blurRad="40000" dist="23000" dir="5400000" rotWithShape="0">
-              <a:srgbClr val="000000">
-                <a:alpha val="35000"/>
-              </a:srgbClr>
-            </a:outerShdw>
-          </a:effectLst>
-        </p:spPr>
-        <p:style>
-          <a:lnRef idx="1">
-            <a:schemeClr val="accent1"/>
-          </a:lnRef>
-          <a:fillRef idx="3">
-            <a:schemeClr val="accent1"/>
-          </a:fillRef>
-          <a:effectRef idx="2">
-            <a:schemeClr val="accent1"/>
-          </a:effectRef>
-          <a:fontRef idx="minor">
-            <a:schemeClr val="lt1"/>
-          </a:fontRef>
-        </p:style>
-        <p:txBody>
-          <a:bodyPr rtlCol="0" anchor="ctr"/>
-          <a:lstStyle/>
-          <a:p>
-            <a:pPr algn="ctr"/>
-            <a:endParaRPr lang="en-US">
-              <a:effectLst/>
-            </a:endParaRPr>
-          </a:p>
-        </p:txBody>
-      </p:sp>
-      <p:sp>
-        <p:nvSpPr>
-          <p:cNvPr id="130" name="Rectangle 129"/>
-          <p:cNvSpPr/>
-          <p:nvPr/>
-        </p:nvSpPr>
-        <p:spPr>
-          <a:xfrm>
-            <a:off x="8492354" y="3364830"/>
-            <a:ext cx="381309" cy="276999"/>
-          </a:xfrm>
-          <a:prstGeom prst="rect">
-            <a:avLst/>
-          </a:prstGeom>
-        </p:spPr>
-        <p:txBody>
-          <a:bodyPr wrap="none">
-            <a:spAutoFit/>
-          </a:bodyPr>
-          <a:lstStyle/>
-          <a:p>
-            <a:r>
-              <a:rPr lang="en-US" altLang="zh-CN" sz="1200" dirty="0" smtClean="0">
-                <a:latin typeface="Times"/>
-                <a:ea typeface="Lucida Grande"/>
-                <a:cs typeface="Times"/>
-              </a:rPr>
-              <a:t>EC</a:t>
-            </a:r>
-            <a:endParaRPr lang="en-US" sz="1200" dirty="0">
-              <a:latin typeface="Times"/>
-              <a:cs typeface="Times"/>
-            </a:endParaRPr>
-          </a:p>
-        </p:txBody>
-      </p:sp>
-      <p:sp>
-        <p:nvSpPr>
-          <p:cNvPr id="131" name="Rectangle 130"/>
-          <p:cNvSpPr/>
-          <p:nvPr/>
-        </p:nvSpPr>
-        <p:spPr>
-          <a:xfrm>
-            <a:off x="7770891" y="3377728"/>
-            <a:ext cx="389800" cy="276999"/>
-          </a:xfrm>
-          <a:prstGeom prst="rect">
-            <a:avLst/>
-          </a:prstGeom>
-        </p:spPr>
-        <p:txBody>
-          <a:bodyPr wrap="none">
-            <a:spAutoFit/>
-          </a:bodyPr>
-          <a:lstStyle/>
-          <a:p>
-            <a:r>
-              <a:rPr lang="en-US" altLang="zh-CN" sz="1200" dirty="0" smtClean="0">
-                <a:latin typeface="Times"/>
-                <a:ea typeface="Lucida Grande"/>
-                <a:cs typeface="Times"/>
-              </a:rPr>
-              <a:t>EA</a:t>
-            </a:r>
-            <a:endParaRPr lang="en-US" sz="1200" dirty="0">
-              <a:latin typeface="Times"/>
-              <a:cs typeface="Times"/>
-            </a:endParaRPr>
-          </a:p>
-        </p:txBody>
-      </p:sp>
-      <p:cxnSp>
-        <p:nvCxnSpPr>
-          <p:cNvPr id="132" name="Straight Connector 131"/>
-          <p:cNvCxnSpPr/>
-          <p:nvPr/>
-        </p:nvCxnSpPr>
-        <p:spPr>
-          <a:xfrm flipH="1">
-            <a:off x="6467173" y="3610582"/>
-            <a:ext cx="113514" cy="319068"/>
-          </a:xfrm>
-          <a:prstGeom prst="line">
-            <a:avLst/>
-          </a:prstGeom>
-        </p:spPr>
-        <p:style>
-          <a:lnRef idx="1">
-            <a:schemeClr val="dk1"/>
-          </a:lnRef>
-          <a:fillRef idx="0">
-            <a:schemeClr val="dk1"/>
-          </a:fillRef>
-          <a:effectRef idx="0">
-            <a:schemeClr val="dk1"/>
-          </a:effectRef>
-          <a:fontRef idx="minor">
-            <a:schemeClr val="tx1"/>
-          </a:fontRef>
-        </p:style>
-      </p:cxnSp>
-      <p:cxnSp>
-        <p:nvCxnSpPr>
-          <p:cNvPr id="133" name="Straight Connector 132"/>
-          <p:cNvCxnSpPr/>
-          <p:nvPr/>
-        </p:nvCxnSpPr>
-        <p:spPr>
-          <a:xfrm>
-            <a:off x="6751119" y="3610582"/>
-            <a:ext cx="139745" cy="319068"/>
-          </a:xfrm>
-          <a:prstGeom prst="line">
-            <a:avLst/>
-          </a:prstGeom>
-        </p:spPr>
-        <p:style>
-          <a:lnRef idx="1">
-            <a:schemeClr val="dk1"/>
-          </a:lnRef>
-          <a:fillRef idx="0">
-            <a:schemeClr val="dk1"/>
-          </a:fillRef>
-          <a:effectRef idx="0">
-            <a:schemeClr val="dk1"/>
-          </a:effectRef>
-          <a:fontRef idx="minor">
-            <a:schemeClr val="tx1"/>
-          </a:fontRef>
-        </p:style>
-      </p:cxnSp>
-      <p:sp>
-        <p:nvSpPr>
-          <p:cNvPr id="134" name="Oval 133"/>
-          <p:cNvSpPr/>
-          <p:nvPr/>
-        </p:nvSpPr>
-        <p:spPr>
-          <a:xfrm>
-            <a:off x="6340339" y="3932147"/>
+            <a:endParaRPr lang="en-US"/>
+          </a:p>
+        </p:txBody>
+      </p:sp>
+      <p:sp>
+        <p:nvSpPr>
+          <p:cNvPr id="139" name="Oval 138"/>
+          <p:cNvSpPr/>
+          <p:nvPr/>
+        </p:nvSpPr>
+        <p:spPr>
+          <a:xfrm>
+            <a:off x="1567429" y="4830811"/>
             <a:ext cx="241028" cy="241038"/>
           </a:xfrm>
           <a:prstGeom prst="ellipse">
@@ -13515,64 +13255,122 @@
           <a:lstStyle/>
           <a:p>
             <a:pPr algn="ctr"/>
-            <a:endParaRPr lang="en-US">
+            <a:endParaRPr lang="en-US" dirty="0">
               <a:effectLst/>
             </a:endParaRPr>
           </a:p>
         </p:txBody>
       </p:sp>
-      <p:sp>
-        <p:nvSpPr>
-          <p:cNvPr id="135" name="Rectangle 134"/>
-          <p:cNvSpPr/>
-          <p:nvPr/>
-        </p:nvSpPr>
-        <p:spPr>
-          <a:xfrm>
-            <a:off x="6215773" y="3897906"/>
-            <a:ext cx="505267" cy="276999"/>
-          </a:xfrm>
-          <a:prstGeom prst="rect">
-            <a:avLst/>
-          </a:prstGeom>
-        </p:spPr>
-        <p:txBody>
-          <a:bodyPr wrap="none">
-            <a:spAutoFit/>
-          </a:bodyPr>
-          <a:lstStyle/>
-          <a:p>
-            <a:r>
-              <a:rPr lang="en-US" altLang="zh-CN" sz="1200" dirty="0" smtClean="0">
-                <a:latin typeface="Times"/>
-                <a:ea typeface="Lucida Grande"/>
-                <a:cs typeface="Times"/>
-              </a:rPr>
-              <a:t>AEC</a:t>
-            </a:r>
-            <a:endParaRPr lang="en-US" sz="1200" dirty="0">
-              <a:latin typeface="Times"/>
-              <a:cs typeface="Times"/>
-            </a:endParaRPr>
-          </a:p>
-        </p:txBody>
-      </p:sp>
-      <p:sp>
-        <p:nvSpPr>
-          <p:cNvPr id="136" name="Oval 135"/>
-          <p:cNvSpPr/>
-          <p:nvPr/>
-        </p:nvSpPr>
-        <p:spPr>
-          <a:xfrm>
-            <a:off x="6780109" y="3926940"/>
+      <p:cxnSp>
+        <p:nvCxnSpPr>
+          <p:cNvPr id="140" name="Straight Connector 139"/>
+          <p:cNvCxnSpPr/>
+          <p:nvPr/>
+        </p:nvCxnSpPr>
+        <p:spPr>
+          <a:xfrm flipH="1">
+            <a:off x="770183" y="4999466"/>
+            <a:ext cx="797246" cy="305932"/>
+          </a:xfrm>
+          <a:prstGeom prst="line">
+            <a:avLst/>
+          </a:prstGeom>
+        </p:spPr>
+        <p:style>
+          <a:lnRef idx="1">
+            <a:schemeClr val="dk1"/>
+          </a:lnRef>
+          <a:fillRef idx="0">
+            <a:schemeClr val="dk1"/>
+          </a:fillRef>
+          <a:effectRef idx="0">
+            <a:schemeClr val="dk1"/>
+          </a:effectRef>
+          <a:fontRef idx="minor">
+            <a:schemeClr val="tx1"/>
+          </a:fontRef>
+        </p:style>
+      </p:cxnSp>
+      <p:cxnSp>
+        <p:nvCxnSpPr>
+          <p:cNvPr id="141" name="Straight Connector 140"/>
+          <p:cNvCxnSpPr>
+            <a:endCxn id="145" idx="1"/>
+          </p:cNvCxnSpPr>
+          <p:nvPr/>
+        </p:nvCxnSpPr>
+        <p:spPr>
+          <a:xfrm>
+            <a:off x="1810239" y="4990195"/>
+            <a:ext cx="754449" cy="331960"/>
+          </a:xfrm>
+          <a:prstGeom prst="line">
+            <a:avLst/>
+          </a:prstGeom>
+        </p:spPr>
+        <p:style>
+          <a:lnRef idx="1">
+            <a:schemeClr val="dk1"/>
+          </a:lnRef>
+          <a:fillRef idx="0">
+            <a:schemeClr val="dk1"/>
+          </a:fillRef>
+          <a:effectRef idx="0">
+            <a:schemeClr val="dk1"/>
+          </a:effectRef>
+          <a:fontRef idx="minor">
+            <a:schemeClr val="tx1"/>
+          </a:fontRef>
+        </p:style>
+      </p:cxnSp>
+      <p:cxnSp>
+        <p:nvCxnSpPr>
+          <p:cNvPr id="142" name="Straight Connector 141"/>
+          <p:cNvCxnSpPr>
+            <a:stCxn id="139" idx="4"/>
+          </p:cNvCxnSpPr>
+          <p:nvPr/>
+        </p:nvCxnSpPr>
+        <p:spPr>
+          <a:xfrm>
+            <a:off x="1687943" y="5071849"/>
+            <a:ext cx="9270" cy="233549"/>
+          </a:xfrm>
+          <a:prstGeom prst="line">
+            <a:avLst/>
+          </a:prstGeom>
+        </p:spPr>
+        <p:style>
+          <a:lnRef idx="1">
+            <a:schemeClr val="dk1"/>
+          </a:lnRef>
+          <a:fillRef idx="0">
+            <a:schemeClr val="dk1"/>
+          </a:fillRef>
+          <a:effectRef idx="0">
+            <a:schemeClr val="dk1"/>
+          </a:effectRef>
+          <a:fontRef idx="minor">
+            <a:schemeClr val="tx1"/>
+          </a:fontRef>
+        </p:style>
+      </p:cxnSp>
+      <p:sp>
+        <p:nvSpPr>
+          <p:cNvPr id="143" name="Oval 142"/>
+          <p:cNvSpPr/>
+          <p:nvPr/>
+        </p:nvSpPr>
+        <p:spPr>
+          <a:xfrm>
+            <a:off x="1580779" y="5307696"/>
             <a:ext cx="241028" cy="241038"/>
           </a:xfrm>
           <a:prstGeom prst="ellipse">
             <a:avLst/>
           </a:prstGeom>
           <a:solidFill>
-            <a:schemeClr val="bg1"/>
+            <a:srgbClr val="FFFFFF"/>
           </a:solidFill>
           <a:ln>
             <a:solidFill>
@@ -13614,97 +13412,13 @@
       </p:sp>
       <p:sp>
         <p:nvSpPr>
-          <p:cNvPr id="137" name="Rectangle 136"/>
-          <p:cNvSpPr/>
-          <p:nvPr/>
-        </p:nvSpPr>
-        <p:spPr>
-          <a:xfrm>
-            <a:off x="6655543" y="3892699"/>
-            <a:ext cx="505267" cy="276999"/>
-          </a:xfrm>
-          <a:prstGeom prst="rect">
-            <a:avLst/>
-          </a:prstGeom>
-        </p:spPr>
-        <p:txBody>
-          <a:bodyPr wrap="none">
-            <a:spAutoFit/>
-          </a:bodyPr>
-          <a:lstStyle/>
-          <a:p>
-            <a:r>
-              <a:rPr lang="en-US" altLang="zh-CN" sz="1200" dirty="0" smtClean="0">
-                <a:latin typeface="Times"/>
-                <a:ea typeface="Lucida Grande"/>
-                <a:cs typeface="Times"/>
-              </a:rPr>
-              <a:t>AEB</a:t>
-            </a:r>
-            <a:endParaRPr lang="en-US" sz="1200" dirty="0">
-              <a:latin typeface="Times"/>
-              <a:cs typeface="Times"/>
-            </a:endParaRPr>
-          </a:p>
-        </p:txBody>
-      </p:sp>
-      <p:sp>
-        <p:nvSpPr>
-          <p:cNvPr id="138" name="Right Arrow 137"/>
-          <p:cNvSpPr/>
-          <p:nvPr/>
-        </p:nvSpPr>
-        <p:spPr>
-          <a:xfrm>
-            <a:off x="6099968" y="4023725"/>
-            <a:ext cx="111243" cy="116440"/>
-          </a:xfrm>
-          <a:prstGeom prst="rightArrow">
-            <a:avLst/>
-          </a:prstGeom>
-          <a:solidFill>
-            <a:schemeClr val="tx1"/>
-          </a:solidFill>
-          <a:effectLst>
-            <a:outerShdw blurRad="40000" dist="23000" dir="5400000" rotWithShape="0">
-              <a:srgbClr val="000000">
-                <a:alpha val="35000"/>
-              </a:srgbClr>
-            </a:outerShdw>
-          </a:effectLst>
-        </p:spPr>
-        <p:style>
-          <a:lnRef idx="1">
-            <a:schemeClr val="dk1"/>
-          </a:lnRef>
-          <a:fillRef idx="3">
-            <a:schemeClr val="dk1"/>
-          </a:fillRef>
-          <a:effectRef idx="2">
-            <a:schemeClr val="dk1"/>
-          </a:effectRef>
-          <a:fontRef idx="minor">
-            <a:schemeClr val="lt1"/>
-          </a:fontRef>
-        </p:style>
-        <p:txBody>
-          <a:bodyPr rtlCol="0" anchor="ctr"/>
-          <a:lstStyle/>
-          <a:p>
-            <a:pPr algn="ctr"/>
-            <a:endParaRPr lang="en-US"/>
-          </a:p>
-        </p:txBody>
-      </p:sp>
-      <p:sp>
-        <p:nvSpPr>
-          <p:cNvPr id="139" name="Oval 138"/>
-          <p:cNvSpPr/>
-          <p:nvPr/>
-        </p:nvSpPr>
-        <p:spPr>
-          <a:xfrm>
-            <a:off x="1567429" y="4830811"/>
+          <p:cNvPr id="144" name="Oval 143"/>
+          <p:cNvSpPr/>
+          <p:nvPr/>
+        </p:nvSpPr>
+        <p:spPr>
+          <a:xfrm>
+            <a:off x="575509" y="5296127"/>
             <a:ext cx="241028" cy="241038"/>
           </a:xfrm>
           <a:prstGeom prst="ellipse">
@@ -13745,155 +13459,6 @@
           <a:lstStyle/>
           <a:p>
             <a:pPr algn="ctr"/>
-            <a:endParaRPr lang="en-US" dirty="0">
-              <a:effectLst/>
-            </a:endParaRPr>
-          </a:p>
-        </p:txBody>
-      </p:sp>
-      <p:cxnSp>
-        <p:nvCxnSpPr>
-          <p:cNvPr id="140" name="Straight Connector 139"/>
-          <p:cNvCxnSpPr/>
-          <p:nvPr/>
-        </p:nvCxnSpPr>
-        <p:spPr>
-          <a:xfrm flipH="1">
-            <a:off x="770183" y="4999466"/>
-            <a:ext cx="797246" cy="305932"/>
-          </a:xfrm>
-          <a:prstGeom prst="line">
-            <a:avLst/>
-          </a:prstGeom>
-        </p:spPr>
-        <p:style>
-          <a:lnRef idx="1">
-            <a:schemeClr val="dk1"/>
-          </a:lnRef>
-          <a:fillRef idx="0">
-            <a:schemeClr val="dk1"/>
-          </a:fillRef>
-          <a:effectRef idx="0">
-            <a:schemeClr val="dk1"/>
-          </a:effectRef>
-          <a:fontRef idx="minor">
-            <a:schemeClr val="tx1"/>
-          </a:fontRef>
-        </p:style>
-      </p:cxnSp>
-      <p:cxnSp>
-        <p:nvCxnSpPr>
-          <p:cNvPr id="141" name="Straight Connector 140"/>
-          <p:cNvCxnSpPr>
-            <a:endCxn id="145" idx="1"/>
-          </p:cNvCxnSpPr>
-          <p:nvPr/>
-        </p:nvCxnSpPr>
-        <p:spPr>
-          <a:xfrm>
-            <a:off x="1810239" y="4990195"/>
-            <a:ext cx="754449" cy="331960"/>
-          </a:xfrm>
-          <a:prstGeom prst="line">
-            <a:avLst/>
-          </a:prstGeom>
-        </p:spPr>
-        <p:style>
-          <a:lnRef idx="1">
-            <a:schemeClr val="dk1"/>
-          </a:lnRef>
-          <a:fillRef idx="0">
-            <a:schemeClr val="dk1"/>
-          </a:fillRef>
-          <a:effectRef idx="0">
-            <a:schemeClr val="dk1"/>
-          </a:effectRef>
-          <a:fontRef idx="minor">
-            <a:schemeClr val="tx1"/>
-          </a:fontRef>
-        </p:style>
-      </p:cxnSp>
-      <p:cxnSp>
-        <p:nvCxnSpPr>
-          <p:cNvPr id="142" name="Straight Connector 141"/>
-          <p:cNvCxnSpPr>
-            <a:stCxn id="139" idx="4"/>
-          </p:cNvCxnSpPr>
-          <p:nvPr/>
-        </p:nvCxnSpPr>
-        <p:spPr>
-          <a:xfrm>
-            <a:off x="1687943" y="5071849"/>
-            <a:ext cx="9270" cy="233549"/>
-          </a:xfrm>
-          <a:prstGeom prst="line">
-            <a:avLst/>
-          </a:prstGeom>
-        </p:spPr>
-        <p:style>
-          <a:lnRef idx="1">
-            <a:schemeClr val="dk1"/>
-          </a:lnRef>
-          <a:fillRef idx="0">
-            <a:schemeClr val="dk1"/>
-          </a:fillRef>
-          <a:effectRef idx="0">
-            <a:schemeClr val="dk1"/>
-          </a:effectRef>
-          <a:fontRef idx="minor">
-            <a:schemeClr val="tx1"/>
-          </a:fontRef>
-        </p:style>
-      </p:cxnSp>
-      <p:sp>
-        <p:nvSpPr>
-          <p:cNvPr id="143" name="Oval 142"/>
-          <p:cNvSpPr/>
-          <p:nvPr/>
-        </p:nvSpPr>
-        <p:spPr>
-          <a:xfrm>
-            <a:off x="1580779" y="5307696"/>
-            <a:ext cx="241028" cy="241038"/>
-          </a:xfrm>
-          <a:prstGeom prst="ellipse">
-            <a:avLst/>
-          </a:prstGeom>
-          <a:solidFill>
-            <a:srgbClr val="A6A6A6"/>
-          </a:solidFill>
-          <a:ln>
-            <a:solidFill>
-              <a:srgbClr val="000000"/>
-            </a:solidFill>
-          </a:ln>
-          <a:effectLst>
-            <a:outerShdw blurRad="40000" dist="23000" dir="5400000" rotWithShape="0">
-              <a:srgbClr val="000000">
-                <a:alpha val="35000"/>
-              </a:srgbClr>
-            </a:outerShdw>
-          </a:effectLst>
-        </p:spPr>
-        <p:style>
-          <a:lnRef idx="1">
-            <a:schemeClr val="accent1"/>
-          </a:lnRef>
-          <a:fillRef idx="3">
-            <a:schemeClr val="accent1"/>
-          </a:fillRef>
-          <a:effectRef idx="2">
-            <a:schemeClr val="accent1"/>
-          </a:effectRef>
-          <a:fontRef idx="minor">
-            <a:schemeClr val="lt1"/>
-          </a:fontRef>
-        </p:style>
-        <p:txBody>
-          <a:bodyPr rtlCol="0" anchor="ctr"/>
-          <a:lstStyle/>
-          <a:p>
-            <a:pPr algn="ctr"/>
             <a:endParaRPr lang="en-US">
               <a:effectLst/>
             </a:endParaRPr>
@@ -13902,61 +13467,6 @@
       </p:sp>
       <p:sp>
         <p:nvSpPr>
-          <p:cNvPr id="144" name="Oval 143"/>
-          <p:cNvSpPr/>
-          <p:nvPr/>
-        </p:nvSpPr>
-        <p:spPr>
-          <a:xfrm>
-            <a:off x="575509" y="5296127"/>
-            <a:ext cx="241028" cy="241038"/>
-          </a:xfrm>
-          <a:prstGeom prst="ellipse">
-            <a:avLst/>
-          </a:prstGeom>
-          <a:solidFill>
-            <a:srgbClr val="A6A6A6"/>
-          </a:solidFill>
-          <a:ln>
-            <a:solidFill>
-              <a:srgbClr val="000000"/>
-            </a:solidFill>
-          </a:ln>
-          <a:effectLst>
-            <a:outerShdw blurRad="40000" dist="23000" dir="5400000" rotWithShape="0">
-              <a:srgbClr val="000000">
-                <a:alpha val="35000"/>
-              </a:srgbClr>
-            </a:outerShdw>
-          </a:effectLst>
-        </p:spPr>
-        <p:style>
-          <a:lnRef idx="1">
-            <a:schemeClr val="accent1"/>
-          </a:lnRef>
-          <a:fillRef idx="3">
-            <a:schemeClr val="accent1"/>
-          </a:fillRef>
-          <a:effectRef idx="2">
-            <a:schemeClr val="accent1"/>
-          </a:effectRef>
-          <a:fontRef idx="minor">
-            <a:schemeClr val="lt1"/>
-          </a:fontRef>
-        </p:style>
-        <p:txBody>
-          <a:bodyPr rtlCol="0" anchor="ctr"/>
-          <a:lstStyle/>
-          <a:p>
-            <a:pPr algn="ctr"/>
-            <a:endParaRPr lang="en-US">
-              <a:effectLst/>
-            </a:endParaRPr>
-          </a:p>
-        </p:txBody>
-      </p:sp>
-      <p:sp>
-        <p:nvSpPr>
           <p:cNvPr id="145" name="Oval 144"/>
           <p:cNvSpPr/>
           <p:nvPr/>
@@ -13970,7 +13480,7 @@
             <a:avLst/>
           </a:prstGeom>
           <a:solidFill>
-            <a:srgbClr val="A6A6A6"/>
+            <a:srgbClr val="FFFFFF"/>
           </a:solidFill>
           <a:ln>
             <a:solidFill>
@@ -14245,14 +13755,14 @@
       </p:sp>
       <p:cxnSp>
         <p:nvCxnSpPr>
-          <p:cNvPr id="152" name="Straight Connector 151"/>
+          <p:cNvPr id="165" name="Straight Connector 164"/>
           <p:cNvCxnSpPr/>
           <p:nvPr/>
         </p:nvCxnSpPr>
         <p:spPr>
-          <a:xfrm flipH="1">
-            <a:off x="1372809" y="5505930"/>
-            <a:ext cx="233968" cy="242681"/>
+          <a:xfrm>
+            <a:off x="1119039" y="5950938"/>
+            <a:ext cx="139745" cy="319068"/>
           </a:xfrm>
           <a:prstGeom prst="line">
             <a:avLst/>
@@ -14275,13 +13785,13 @@
       </p:cxnSp>
       <p:sp>
         <p:nvSpPr>
-          <p:cNvPr id="153" name="Oval 152"/>
-          <p:cNvSpPr/>
-          <p:nvPr/>
-        </p:nvSpPr>
-        <p:spPr>
-          <a:xfrm>
-            <a:off x="1223299" y="5749263"/>
+          <p:cNvPr id="168" name="Oval 167"/>
+          <p:cNvSpPr/>
+          <p:nvPr/>
+        </p:nvSpPr>
+        <p:spPr>
+          <a:xfrm>
+            <a:off x="1148029" y="6267296"/>
             <a:ext cx="241028" cy="241038"/>
           </a:xfrm>
           <a:prstGeom prst="ellipse">
@@ -14328,15 +13838,680 @@
           </a:p>
         </p:txBody>
       </p:sp>
+      <p:sp>
+        <p:nvSpPr>
+          <p:cNvPr id="169" name="Rectangle 168"/>
+          <p:cNvSpPr/>
+          <p:nvPr/>
+        </p:nvSpPr>
+        <p:spPr>
+          <a:xfrm>
+            <a:off x="1023463" y="6233055"/>
+            <a:ext cx="505267" cy="276999"/>
+          </a:xfrm>
+          <a:prstGeom prst="rect">
+            <a:avLst/>
+          </a:prstGeom>
+        </p:spPr>
+        <p:txBody>
+          <a:bodyPr wrap="none">
+            <a:spAutoFit/>
+          </a:bodyPr>
+          <a:lstStyle/>
+          <a:p>
+            <a:r>
+              <a:rPr lang="en-US" altLang="zh-CN" sz="1200" dirty="0" smtClean="0">
+                <a:latin typeface="Times"/>
+                <a:ea typeface="Lucida Grande"/>
+                <a:cs typeface="Times"/>
+              </a:rPr>
+              <a:t>AEB</a:t>
+            </a:r>
+            <a:endParaRPr lang="en-US" sz="1200" dirty="0">
+              <a:latin typeface="Times"/>
+              <a:cs typeface="Times"/>
+            </a:endParaRPr>
+          </a:p>
+        </p:txBody>
+      </p:sp>
+      <p:sp>
+        <p:nvSpPr>
+          <p:cNvPr id="170" name="Right Arrow 169"/>
+          <p:cNvSpPr/>
+          <p:nvPr/>
+        </p:nvSpPr>
+        <p:spPr>
+          <a:xfrm>
+            <a:off x="960309" y="6344290"/>
+            <a:ext cx="111243" cy="116440"/>
+          </a:xfrm>
+          <a:prstGeom prst="rightArrow">
+            <a:avLst/>
+          </a:prstGeom>
+          <a:solidFill>
+            <a:schemeClr val="tx1"/>
+          </a:solidFill>
+          <a:effectLst>
+            <a:outerShdw blurRad="40000" dist="23000" dir="5400000" rotWithShape="0">
+              <a:srgbClr val="000000">
+                <a:alpha val="35000"/>
+              </a:srgbClr>
+            </a:outerShdw>
+          </a:effectLst>
+        </p:spPr>
+        <p:style>
+          <a:lnRef idx="1">
+            <a:schemeClr val="dk1"/>
+          </a:lnRef>
+          <a:fillRef idx="3">
+            <a:schemeClr val="dk1"/>
+          </a:fillRef>
+          <a:effectRef idx="2">
+            <a:schemeClr val="dk1"/>
+          </a:effectRef>
+          <a:fontRef idx="minor">
+            <a:schemeClr val="lt1"/>
+          </a:fontRef>
+        </p:style>
+        <p:txBody>
+          <a:bodyPr rtlCol="0" anchor="ctr"/>
+          <a:lstStyle/>
+          <a:p>
+            <a:pPr algn="ctr"/>
+            <a:endParaRPr lang="en-US"/>
+          </a:p>
+        </p:txBody>
+      </p:sp>
+      <p:sp>
+        <p:nvSpPr>
+          <p:cNvPr id="171" name="Rectangle 170"/>
+          <p:cNvSpPr/>
+          <p:nvPr/>
+        </p:nvSpPr>
+        <p:spPr>
+          <a:xfrm>
+            <a:off x="1524238" y="4787384"/>
+            <a:ext cx="334396" cy="307777"/>
+          </a:xfrm>
+          <a:prstGeom prst="rect">
+            <a:avLst/>
+          </a:prstGeom>
+        </p:spPr>
+        <p:txBody>
+          <a:bodyPr wrap="none">
+            <a:spAutoFit/>
+          </a:bodyPr>
+          <a:lstStyle/>
+          <a:p>
+            <a:r>
+              <a:rPr lang="en-US" sz="1400" i="0" dirty="0" err="1" smtClean="0">
+                <a:latin typeface="Times"/>
+                <a:ea typeface="Lucida Grande"/>
+                <a:cs typeface="Times"/>
+              </a:rPr>
+              <a:t>Φ</a:t>
+            </a:r>
+            <a:endParaRPr lang="en-US" sz="1400" dirty="0">
+              <a:latin typeface="Times"/>
+              <a:cs typeface="Times"/>
+            </a:endParaRPr>
+          </a:p>
+        </p:txBody>
+      </p:sp>
+      <p:sp>
+        <p:nvSpPr>
+          <p:cNvPr id="193" name="Oval 192"/>
+          <p:cNvSpPr/>
+          <p:nvPr/>
+        </p:nvSpPr>
+        <p:spPr>
+          <a:xfrm>
+            <a:off x="1865179" y="2412223"/>
+            <a:ext cx="241028" cy="241038"/>
+          </a:xfrm>
+          <a:prstGeom prst="ellipse">
+            <a:avLst/>
+          </a:prstGeom>
+          <a:solidFill>
+            <a:srgbClr val="A6A6A6"/>
+          </a:solidFill>
+          <a:ln>
+            <a:solidFill>
+              <a:srgbClr val="000000"/>
+            </a:solidFill>
+          </a:ln>
+          <a:effectLst>
+            <a:outerShdw blurRad="40000" dist="23000" dir="5400000" rotWithShape="0">
+              <a:srgbClr val="000000">
+                <a:alpha val="35000"/>
+              </a:srgbClr>
+            </a:outerShdw>
+          </a:effectLst>
+        </p:spPr>
+        <p:style>
+          <a:lnRef idx="1">
+            <a:schemeClr val="accent1"/>
+          </a:lnRef>
+          <a:fillRef idx="3">
+            <a:schemeClr val="accent1"/>
+          </a:fillRef>
+          <a:effectRef idx="2">
+            <a:schemeClr val="accent1"/>
+          </a:effectRef>
+          <a:fontRef idx="minor">
+            <a:schemeClr val="lt1"/>
+          </a:fontRef>
+        </p:style>
+        <p:txBody>
+          <a:bodyPr rtlCol="0" anchor="ctr"/>
+          <a:lstStyle/>
+          <a:p>
+            <a:pPr algn="ctr"/>
+            <a:endParaRPr lang="en-US" dirty="0">
+              <a:effectLst/>
+            </a:endParaRPr>
+          </a:p>
+        </p:txBody>
+      </p:sp>
       <p:cxnSp>
         <p:nvCxnSpPr>
-          <p:cNvPr id="154" name="Straight Connector 153"/>
+          <p:cNvPr id="194" name="Straight Connector 193"/>
           <p:cNvCxnSpPr/>
           <p:nvPr/>
         </p:nvCxnSpPr>
         <p:spPr>
-          <a:xfrm>
-            <a:off x="1795749" y="5515201"/>
+          <a:xfrm flipH="1">
+            <a:off x="1067933" y="2580878"/>
+            <a:ext cx="797246" cy="305932"/>
+          </a:xfrm>
+          <a:prstGeom prst="line">
+            <a:avLst/>
+          </a:prstGeom>
+        </p:spPr>
+        <p:style>
+          <a:lnRef idx="1">
+            <a:schemeClr val="dk1"/>
+          </a:lnRef>
+          <a:fillRef idx="0">
+            <a:schemeClr val="dk1"/>
+          </a:fillRef>
+          <a:effectRef idx="0">
+            <a:schemeClr val="dk1"/>
+          </a:effectRef>
+          <a:fontRef idx="minor">
+            <a:schemeClr val="tx1"/>
+          </a:fontRef>
+        </p:style>
+      </p:cxnSp>
+      <p:cxnSp>
+        <p:nvCxnSpPr>
+          <p:cNvPr id="195" name="Straight Connector 194"/>
+          <p:cNvCxnSpPr>
+            <a:endCxn id="199" idx="1"/>
+          </p:cNvCxnSpPr>
+          <p:nvPr/>
+        </p:nvCxnSpPr>
+        <p:spPr>
+          <a:xfrm>
+            <a:off x="2107989" y="2571607"/>
+            <a:ext cx="754449" cy="331960"/>
+          </a:xfrm>
+          <a:prstGeom prst="line">
+            <a:avLst/>
+          </a:prstGeom>
+        </p:spPr>
+        <p:style>
+          <a:lnRef idx="1">
+            <a:schemeClr val="dk1"/>
+          </a:lnRef>
+          <a:fillRef idx="0">
+            <a:schemeClr val="dk1"/>
+          </a:fillRef>
+          <a:effectRef idx="0">
+            <a:schemeClr val="dk1"/>
+          </a:effectRef>
+          <a:fontRef idx="minor">
+            <a:schemeClr val="tx1"/>
+          </a:fontRef>
+        </p:style>
+      </p:cxnSp>
+      <p:cxnSp>
+        <p:nvCxnSpPr>
+          <p:cNvPr id="196" name="Straight Connector 195"/>
+          <p:cNvCxnSpPr>
+            <a:stCxn id="193" idx="4"/>
+          </p:cNvCxnSpPr>
+          <p:nvPr/>
+        </p:nvCxnSpPr>
+        <p:spPr>
+          <a:xfrm>
+            <a:off x="1985693" y="2653261"/>
+            <a:ext cx="9270" cy="233549"/>
+          </a:xfrm>
+          <a:prstGeom prst="line">
+            <a:avLst/>
+          </a:prstGeom>
+        </p:spPr>
+        <p:style>
+          <a:lnRef idx="1">
+            <a:schemeClr val="dk1"/>
+          </a:lnRef>
+          <a:fillRef idx="0">
+            <a:schemeClr val="dk1"/>
+          </a:fillRef>
+          <a:effectRef idx="0">
+            <a:schemeClr val="dk1"/>
+          </a:effectRef>
+          <a:fontRef idx="minor">
+            <a:schemeClr val="tx1"/>
+          </a:fontRef>
+        </p:style>
+      </p:cxnSp>
+      <p:sp>
+        <p:nvSpPr>
+          <p:cNvPr id="197" name="Oval 196"/>
+          <p:cNvSpPr/>
+          <p:nvPr/>
+        </p:nvSpPr>
+        <p:spPr>
+          <a:xfrm>
+            <a:off x="1878529" y="2889108"/>
+            <a:ext cx="241028" cy="241038"/>
+          </a:xfrm>
+          <a:prstGeom prst="ellipse">
+            <a:avLst/>
+          </a:prstGeom>
+          <a:solidFill>
+            <a:srgbClr val="FFFFFF"/>
+          </a:solidFill>
+          <a:ln>
+            <a:solidFill>
+              <a:srgbClr val="000000"/>
+            </a:solidFill>
+          </a:ln>
+          <a:effectLst>
+            <a:outerShdw blurRad="40000" dist="23000" dir="5400000" rotWithShape="0">
+              <a:srgbClr val="000000">
+                <a:alpha val="35000"/>
+              </a:srgbClr>
+            </a:outerShdw>
+          </a:effectLst>
+        </p:spPr>
+        <p:style>
+          <a:lnRef idx="1">
+            <a:schemeClr val="accent1"/>
+          </a:lnRef>
+          <a:fillRef idx="3">
+            <a:schemeClr val="accent1"/>
+          </a:fillRef>
+          <a:effectRef idx="2">
+            <a:schemeClr val="accent1"/>
+          </a:effectRef>
+          <a:fontRef idx="minor">
+            <a:schemeClr val="lt1"/>
+          </a:fontRef>
+        </p:style>
+        <p:txBody>
+          <a:bodyPr rtlCol="0" anchor="ctr"/>
+          <a:lstStyle/>
+          <a:p>
+            <a:pPr algn="ctr"/>
+            <a:endParaRPr lang="en-US">
+              <a:effectLst/>
+            </a:endParaRPr>
+          </a:p>
+        </p:txBody>
+      </p:sp>
+      <p:sp>
+        <p:nvSpPr>
+          <p:cNvPr id="198" name="Oval 197"/>
+          <p:cNvSpPr/>
+          <p:nvPr/>
+        </p:nvSpPr>
+        <p:spPr>
+          <a:xfrm>
+            <a:off x="873259" y="2877539"/>
+            <a:ext cx="241028" cy="241038"/>
+          </a:xfrm>
+          <a:prstGeom prst="ellipse">
+            <a:avLst/>
+          </a:prstGeom>
+          <a:solidFill>
+            <a:srgbClr val="A6A6A6"/>
+          </a:solidFill>
+          <a:ln>
+            <a:solidFill>
+              <a:srgbClr val="000000"/>
+            </a:solidFill>
+          </a:ln>
+          <a:effectLst>
+            <a:outerShdw blurRad="40000" dist="23000" dir="5400000" rotWithShape="0">
+              <a:srgbClr val="000000">
+                <a:alpha val="35000"/>
+              </a:srgbClr>
+            </a:outerShdw>
+          </a:effectLst>
+        </p:spPr>
+        <p:style>
+          <a:lnRef idx="1">
+            <a:schemeClr val="accent1"/>
+          </a:lnRef>
+          <a:fillRef idx="3">
+            <a:schemeClr val="accent1"/>
+          </a:fillRef>
+          <a:effectRef idx="2">
+            <a:schemeClr val="accent1"/>
+          </a:effectRef>
+          <a:fontRef idx="minor">
+            <a:schemeClr val="lt1"/>
+          </a:fontRef>
+        </p:style>
+        <p:txBody>
+          <a:bodyPr rtlCol="0" anchor="ctr"/>
+          <a:lstStyle/>
+          <a:p>
+            <a:pPr algn="ctr"/>
+            <a:endParaRPr lang="en-US">
+              <a:effectLst/>
+            </a:endParaRPr>
+          </a:p>
+        </p:txBody>
+      </p:sp>
+      <p:sp>
+        <p:nvSpPr>
+          <p:cNvPr id="199" name="Oval 198"/>
+          <p:cNvSpPr/>
+          <p:nvPr/>
+        </p:nvSpPr>
+        <p:spPr>
+          <a:xfrm>
+            <a:off x="2827140" y="2868268"/>
+            <a:ext cx="241028" cy="241038"/>
+          </a:xfrm>
+          <a:prstGeom prst="ellipse">
+            <a:avLst/>
+          </a:prstGeom>
+          <a:solidFill>
+            <a:srgbClr val="FFFFFF"/>
+          </a:solidFill>
+          <a:ln>
+            <a:solidFill>
+              <a:srgbClr val="000000"/>
+            </a:solidFill>
+          </a:ln>
+          <a:effectLst>
+            <a:outerShdw blurRad="40000" dist="23000" dir="5400000" rotWithShape="0">
+              <a:srgbClr val="000000">
+                <a:alpha val="35000"/>
+              </a:srgbClr>
+            </a:outerShdw>
+          </a:effectLst>
+        </p:spPr>
+        <p:style>
+          <a:lnRef idx="1">
+            <a:schemeClr val="accent1"/>
+          </a:lnRef>
+          <a:fillRef idx="3">
+            <a:schemeClr val="accent1"/>
+          </a:fillRef>
+          <a:effectRef idx="2">
+            <a:schemeClr val="accent1"/>
+          </a:effectRef>
+          <a:fontRef idx="minor">
+            <a:schemeClr val="lt1"/>
+          </a:fontRef>
+        </p:style>
+        <p:txBody>
+          <a:bodyPr rtlCol="0" anchor="ctr"/>
+          <a:lstStyle/>
+          <a:p>
+            <a:pPr algn="ctr"/>
+            <a:endParaRPr lang="en-US">
+              <a:effectLst/>
+            </a:endParaRPr>
+          </a:p>
+        </p:txBody>
+      </p:sp>
+      <p:sp>
+        <p:nvSpPr>
+          <p:cNvPr id="200" name="Rectangle 199"/>
+          <p:cNvSpPr/>
+          <p:nvPr/>
+        </p:nvSpPr>
+        <p:spPr>
+          <a:xfrm>
+            <a:off x="1828919" y="2376262"/>
+            <a:ext cx="334396" cy="307777"/>
+          </a:xfrm>
+          <a:prstGeom prst="rect">
+            <a:avLst/>
+          </a:prstGeom>
+        </p:spPr>
+        <p:txBody>
+          <a:bodyPr wrap="none">
+            <a:spAutoFit/>
+          </a:bodyPr>
+          <a:lstStyle/>
+          <a:p>
+            <a:r>
+              <a:rPr lang="en-US" sz="1400" i="0" dirty="0" err="1" smtClean="0">
+                <a:latin typeface="Times"/>
+                <a:ea typeface="Lucida Grande"/>
+                <a:cs typeface="Times"/>
+              </a:rPr>
+              <a:t>Φ</a:t>
+            </a:r>
+            <a:endParaRPr lang="en-US" sz="1400" dirty="0">
+              <a:latin typeface="Times"/>
+              <a:cs typeface="Times"/>
+            </a:endParaRPr>
+          </a:p>
+        </p:txBody>
+      </p:sp>
+      <p:sp>
+        <p:nvSpPr>
+          <p:cNvPr id="201" name="Rectangle 200"/>
+          <p:cNvSpPr/>
+          <p:nvPr/>
+        </p:nvSpPr>
+        <p:spPr>
+          <a:xfrm>
+            <a:off x="852014" y="2843876"/>
+            <a:ext cx="308623" cy="276999"/>
+          </a:xfrm>
+          <a:prstGeom prst="rect">
+            <a:avLst/>
+          </a:prstGeom>
+        </p:spPr>
+        <p:txBody>
+          <a:bodyPr wrap="none">
+            <a:spAutoFit/>
+          </a:bodyPr>
+          <a:lstStyle/>
+          <a:p>
+            <a:r>
+              <a:rPr lang="en-US" altLang="zh-CN" sz="1200" dirty="0">
+                <a:latin typeface="Times"/>
+                <a:ea typeface="Lucida Grande"/>
+                <a:cs typeface="Times"/>
+              </a:rPr>
+              <a:t>A</a:t>
+            </a:r>
+            <a:endParaRPr lang="en-US" sz="1200" dirty="0">
+              <a:latin typeface="Times"/>
+              <a:cs typeface="Times"/>
+            </a:endParaRPr>
+          </a:p>
+        </p:txBody>
+      </p:sp>
+      <p:sp>
+        <p:nvSpPr>
+          <p:cNvPr id="202" name="Rectangle 201"/>
+          <p:cNvSpPr/>
+          <p:nvPr/>
+        </p:nvSpPr>
+        <p:spPr>
+          <a:xfrm>
+            <a:off x="1857282" y="2857776"/>
+            <a:ext cx="287308" cy="276999"/>
+          </a:xfrm>
+          <a:prstGeom prst="rect">
+            <a:avLst/>
+          </a:prstGeom>
+        </p:spPr>
+        <p:txBody>
+          <a:bodyPr wrap="none">
+            <a:spAutoFit/>
+          </a:bodyPr>
+          <a:lstStyle/>
+          <a:p>
+            <a:r>
+              <a:rPr lang="en-US" altLang="zh-CN" sz="1200" dirty="0" smtClean="0">
+                <a:latin typeface="Times"/>
+                <a:ea typeface="Lucida Grande"/>
+                <a:cs typeface="Times"/>
+              </a:rPr>
+              <a:t>C</a:t>
+            </a:r>
+            <a:endParaRPr lang="en-US" sz="1200" dirty="0">
+              <a:latin typeface="Times"/>
+              <a:cs typeface="Times"/>
+            </a:endParaRPr>
+          </a:p>
+        </p:txBody>
+      </p:sp>
+      <p:sp>
+        <p:nvSpPr>
+          <p:cNvPr id="203" name="Rectangle 202"/>
+          <p:cNvSpPr/>
+          <p:nvPr/>
+        </p:nvSpPr>
+        <p:spPr>
+          <a:xfrm>
+            <a:off x="2811007" y="2839234"/>
+            <a:ext cx="278667" cy="276999"/>
+          </a:xfrm>
+          <a:prstGeom prst="rect">
+            <a:avLst/>
+          </a:prstGeom>
+        </p:spPr>
+        <p:txBody>
+          <a:bodyPr wrap="none">
+            <a:spAutoFit/>
+          </a:bodyPr>
+          <a:lstStyle/>
+          <a:p>
+            <a:r>
+              <a:rPr lang="en-US" altLang="zh-CN" sz="1200" dirty="0" smtClean="0">
+                <a:latin typeface="Times"/>
+                <a:ea typeface="Lucida Grande"/>
+                <a:cs typeface="Times"/>
+              </a:rPr>
+              <a:t>E</a:t>
+            </a:r>
+            <a:endParaRPr lang="en-US" sz="1200" dirty="0">
+              <a:latin typeface="Times"/>
+              <a:cs typeface="Times"/>
+            </a:endParaRPr>
+          </a:p>
+        </p:txBody>
+      </p:sp>
+      <p:cxnSp>
+        <p:nvCxnSpPr>
+          <p:cNvPr id="204" name="Straight Connector 203"/>
+          <p:cNvCxnSpPr/>
+          <p:nvPr/>
+        </p:nvCxnSpPr>
+        <p:spPr>
+          <a:xfrm flipH="1">
+            <a:off x="656049" y="3074007"/>
+            <a:ext cx="233968" cy="242681"/>
+          </a:xfrm>
+          <a:prstGeom prst="line">
+            <a:avLst/>
+          </a:prstGeom>
+        </p:spPr>
+        <p:style>
+          <a:lnRef idx="1">
+            <a:schemeClr val="dk1"/>
+          </a:lnRef>
+          <a:fillRef idx="0">
+            <a:schemeClr val="dk1"/>
+          </a:fillRef>
+          <a:effectRef idx="0">
+            <a:schemeClr val="dk1"/>
+          </a:effectRef>
+          <a:fontRef idx="minor">
+            <a:schemeClr val="tx1"/>
+          </a:fontRef>
+        </p:style>
+      </p:cxnSp>
+      <p:sp>
+        <p:nvSpPr>
+          <p:cNvPr id="205" name="Oval 204"/>
+          <p:cNvSpPr/>
+          <p:nvPr/>
+        </p:nvSpPr>
+        <p:spPr>
+          <a:xfrm>
+            <a:off x="506539" y="3317340"/>
+            <a:ext cx="241028" cy="241038"/>
+          </a:xfrm>
+          <a:prstGeom prst="ellipse">
+            <a:avLst/>
+          </a:prstGeom>
+          <a:solidFill>
+            <a:srgbClr val="A6A6A6"/>
+          </a:solidFill>
+          <a:ln>
+            <a:solidFill>
+              <a:srgbClr val="000000"/>
+            </a:solidFill>
+          </a:ln>
+          <a:effectLst>
+            <a:outerShdw blurRad="40000" dist="23000" dir="5400000" rotWithShape="0">
+              <a:srgbClr val="000000">
+                <a:alpha val="35000"/>
+              </a:srgbClr>
+            </a:outerShdw>
+          </a:effectLst>
+        </p:spPr>
+        <p:style>
+          <a:lnRef idx="1">
+            <a:schemeClr val="accent1"/>
+          </a:lnRef>
+          <a:fillRef idx="3">
+            <a:schemeClr val="accent1"/>
+          </a:fillRef>
+          <a:effectRef idx="2">
+            <a:schemeClr val="accent1"/>
+          </a:effectRef>
+          <a:fontRef idx="minor">
+            <a:schemeClr val="lt1"/>
+          </a:fontRef>
+        </p:style>
+        <p:txBody>
+          <a:bodyPr rtlCol="0" anchor="ctr"/>
+          <a:lstStyle/>
+          <a:p>
+            <a:pPr algn="ctr"/>
+            <a:endParaRPr lang="en-US">
+              <a:effectLst/>
+            </a:endParaRPr>
+          </a:p>
+        </p:txBody>
+      </p:sp>
+      <p:cxnSp>
+        <p:nvCxnSpPr>
+          <p:cNvPr id="206" name="Straight Connector 205"/>
+          <p:cNvCxnSpPr>
+            <a:stCxn id="198" idx="5"/>
+          </p:cNvCxnSpPr>
+          <p:nvPr/>
+        </p:nvCxnSpPr>
+        <p:spPr>
+          <a:xfrm>
+            <a:off x="1078989" y="3083278"/>
             <a:ext cx="263063" cy="234062"/>
           </a:xfrm>
           <a:prstGeom prst="line">
@@ -14360,13 +14535,13 @@
       </p:cxnSp>
       <p:sp>
         <p:nvSpPr>
-          <p:cNvPr id="155" name="Oval 154"/>
-          <p:cNvSpPr/>
-          <p:nvPr/>
-        </p:nvSpPr>
-        <p:spPr>
-          <a:xfrm>
-            <a:off x="1922629" y="5753327"/>
+          <p:cNvPr id="207" name="Oval 206"/>
+          <p:cNvSpPr/>
+          <p:nvPr/>
+        </p:nvSpPr>
+        <p:spPr>
+          <a:xfrm>
+            <a:off x="1205869" y="3321404"/>
             <a:ext cx="241028" cy="241038"/>
           </a:xfrm>
           <a:prstGeom prst="ellipse">
@@ -14415,14 +14590,14 @@
       </p:sp>
       <p:sp>
         <p:nvSpPr>
-          <p:cNvPr id="156" name="Rectangle 155"/>
-          <p:cNvSpPr/>
-          <p:nvPr/>
-        </p:nvSpPr>
-        <p:spPr>
-          <a:xfrm>
-            <a:off x="1845764" y="5719664"/>
-            <a:ext cx="385141" cy="276999"/>
+          <p:cNvPr id="208" name="Rectangle 207"/>
+          <p:cNvSpPr/>
+          <p:nvPr/>
+        </p:nvSpPr>
+        <p:spPr>
+          <a:xfrm>
+            <a:off x="1129004" y="3287741"/>
+            <a:ext cx="402674" cy="276999"/>
           </a:xfrm>
           <a:prstGeom prst="rect">
             <a:avLst/>
@@ -14434,21 +14609,13 @@
           </a:bodyPr>
           <a:lstStyle/>
           <a:p>
-            <a:r>
-              <a:rPr lang="zh-CN" altLang="zh-CN" sz="1200" dirty="0">
-                <a:latin typeface="Times"/>
-                <a:ea typeface="Lucida Grande"/>
-                <a:cs typeface="Times"/>
-              </a:rPr>
-              <a:t>C</a:t>
-            </a:r>
             <a:r>
               <a:rPr lang="en-US" altLang="zh-CN" sz="1200" dirty="0" smtClean="0">
                 <a:latin typeface="Times"/>
                 <a:ea typeface="Lucida Grande"/>
                 <a:cs typeface="Times"/>
               </a:rPr>
-              <a:t>E</a:t>
+              <a:t>AE</a:t>
             </a:r>
             <a:endParaRPr lang="en-US" sz="1200" dirty="0">
               <a:latin typeface="Times"/>
@@ -14459,14 +14626,14 @@
       </p:sp>
       <p:sp>
         <p:nvSpPr>
-          <p:cNvPr id="157" name="Rectangle 156"/>
-          <p:cNvSpPr/>
-          <p:nvPr/>
-        </p:nvSpPr>
-        <p:spPr>
-          <a:xfrm>
-            <a:off x="1145083" y="5715022"/>
-            <a:ext cx="398441" cy="276999"/>
+          <p:cNvPr id="209" name="Rectangle 208"/>
+          <p:cNvSpPr/>
+          <p:nvPr/>
+        </p:nvSpPr>
+        <p:spPr>
+          <a:xfrm>
+            <a:off x="428323" y="3283099"/>
+            <a:ext cx="411265" cy="276999"/>
           </a:xfrm>
           <a:prstGeom prst="rect">
             <a:avLst/>
@@ -14484,7 +14651,7 @@
                 <a:ea typeface="Lucida Grande"/>
                 <a:cs typeface="Times"/>
               </a:rPr>
-              <a:t>CA</a:t>
+              <a:t>AC</a:t>
             </a:r>
             <a:endParaRPr lang="en-US" sz="1200" dirty="0">
               <a:latin typeface="Times"/>
@@ -14495,14 +14662,14 @@
       </p:sp>
       <p:cxnSp>
         <p:nvCxnSpPr>
-          <p:cNvPr id="158" name="Straight Connector 157"/>
+          <p:cNvPr id="210" name="Straight Connector 209"/>
           <p:cNvCxnSpPr/>
           <p:nvPr/>
         </p:nvCxnSpPr>
         <p:spPr>
-          <a:xfrm flipH="1">
-            <a:off x="2359509" y="5500723"/>
-            <a:ext cx="233968" cy="242681"/>
+          <a:xfrm>
+            <a:off x="637509" y="3555469"/>
+            <a:ext cx="0" cy="305220"/>
           </a:xfrm>
           <a:prstGeom prst="line">
             <a:avLst/>
@@ -14525,13 +14692,104 @@
       </p:cxnSp>
       <p:sp>
         <p:nvSpPr>
-          <p:cNvPr id="159" name="Oval 158"/>
-          <p:cNvSpPr/>
-          <p:nvPr/>
-        </p:nvSpPr>
-        <p:spPr>
-          <a:xfrm>
-            <a:off x="2209999" y="5744056"/>
+          <p:cNvPr id="211" name="Oval 210"/>
+          <p:cNvSpPr/>
+          <p:nvPr/>
+        </p:nvSpPr>
+        <p:spPr>
+          <a:xfrm>
+            <a:off x="519889" y="3868393"/>
+            <a:ext cx="241028" cy="241038"/>
+          </a:xfrm>
+          <a:prstGeom prst="ellipse">
+            <a:avLst/>
+          </a:prstGeom>
+          <a:solidFill>
+            <a:srgbClr val="BFBFBF"/>
+          </a:solidFill>
+          <a:ln>
+            <a:solidFill>
+              <a:srgbClr val="000000"/>
+            </a:solidFill>
+          </a:ln>
+          <a:effectLst>
+            <a:outerShdw blurRad="40000" dist="23000" dir="5400000" rotWithShape="0">
+              <a:srgbClr val="000000">
+                <a:alpha val="35000"/>
+              </a:srgbClr>
+            </a:outerShdw>
+          </a:effectLst>
+        </p:spPr>
+        <p:style>
+          <a:lnRef idx="1">
+            <a:schemeClr val="accent1"/>
+          </a:lnRef>
+          <a:fillRef idx="3">
+            <a:schemeClr val="accent1"/>
+          </a:fillRef>
+          <a:effectRef idx="2">
+            <a:schemeClr val="accent1"/>
+          </a:effectRef>
+          <a:fontRef idx="minor">
+            <a:schemeClr val="lt1"/>
+          </a:fontRef>
+        </p:style>
+        <p:txBody>
+          <a:bodyPr rtlCol="0" anchor="ctr"/>
+          <a:lstStyle/>
+          <a:p>
+            <a:pPr algn="ctr"/>
+            <a:endParaRPr lang="en-US">
+              <a:effectLst/>
+            </a:endParaRPr>
+          </a:p>
+        </p:txBody>
+      </p:sp>
+      <p:sp>
+        <p:nvSpPr>
+          <p:cNvPr id="212" name="Rectangle 211"/>
+          <p:cNvSpPr/>
+          <p:nvPr/>
+        </p:nvSpPr>
+        <p:spPr>
+          <a:xfrm>
+            <a:off x="395323" y="3834152"/>
+            <a:ext cx="505267" cy="276999"/>
+          </a:xfrm>
+          <a:prstGeom prst="rect">
+            <a:avLst/>
+          </a:prstGeom>
+        </p:spPr>
+        <p:txBody>
+          <a:bodyPr wrap="none">
+            <a:spAutoFit/>
+          </a:bodyPr>
+          <a:lstStyle/>
+          <a:p>
+            <a:r>
+              <a:rPr lang="en-US" altLang="zh-CN" sz="1200" dirty="0" smtClean="0">
+                <a:latin typeface="Times"/>
+                <a:ea typeface="Lucida Grande"/>
+                <a:cs typeface="Times"/>
+              </a:rPr>
+              <a:t>ACE</a:t>
+            </a:r>
+            <a:endParaRPr lang="en-US" sz="1200" dirty="0">
+              <a:latin typeface="Times"/>
+              <a:cs typeface="Times"/>
+            </a:endParaRPr>
+          </a:p>
+        </p:txBody>
+      </p:sp>
+      <p:sp>
+        <p:nvSpPr>
+          <p:cNvPr id="215" name="Oval 214"/>
+          <p:cNvSpPr/>
+          <p:nvPr/>
+        </p:nvSpPr>
+        <p:spPr>
+          <a:xfrm>
+            <a:off x="366379" y="4363820"/>
             <a:ext cx="241028" cy="241038"/>
           </a:xfrm>
           <a:prstGeom prst="ellipse">
@@ -14578,45 +14836,135 @@
           </a:p>
         </p:txBody>
       </p:sp>
-      <p:cxnSp>
-        <p:nvCxnSpPr>
-          <p:cNvPr id="160" name="Straight Connector 159"/>
-          <p:cNvCxnSpPr/>
-          <p:nvPr/>
-        </p:nvCxnSpPr>
-        <p:spPr>
-          <a:xfrm>
-            <a:off x="2745574" y="5500723"/>
-            <a:ext cx="263063" cy="234062"/>
-          </a:xfrm>
-          <a:prstGeom prst="line">
-            <a:avLst/>
-          </a:prstGeom>
-        </p:spPr>
-        <p:style>
-          <a:lnRef idx="1">
-            <a:schemeClr val="dk1"/>
-          </a:lnRef>
-          <a:fillRef idx="0">
-            <a:schemeClr val="dk1"/>
-          </a:fillRef>
-          <a:effectRef idx="0">
-            <a:schemeClr val="dk1"/>
-          </a:effectRef>
-          <a:fontRef idx="minor">
+      <p:sp>
+        <p:nvSpPr>
+          <p:cNvPr id="216" name="Rectangle 215"/>
+          <p:cNvSpPr/>
+          <p:nvPr/>
+        </p:nvSpPr>
+        <p:spPr>
+          <a:xfrm>
+            <a:off x="204733" y="4329579"/>
+            <a:ext cx="616400" cy="276999"/>
+          </a:xfrm>
+          <a:prstGeom prst="rect">
+            <a:avLst/>
+          </a:prstGeom>
+        </p:spPr>
+        <p:txBody>
+          <a:bodyPr wrap="none">
+            <a:spAutoFit/>
+          </a:bodyPr>
+          <a:lstStyle/>
+          <a:p>
+            <a:r>
+              <a:rPr lang="en-US" altLang="zh-CN" sz="1200" dirty="0" smtClean="0">
+                <a:latin typeface="Times"/>
+                <a:ea typeface="Lucida Grande"/>
+                <a:cs typeface="Times"/>
+              </a:rPr>
+              <a:t>ACED</a:t>
+            </a:r>
+            <a:endParaRPr lang="en-US" sz="1200" dirty="0">
+              <a:latin typeface="Times"/>
+              <a:cs typeface="Times"/>
+            </a:endParaRPr>
+          </a:p>
+        </p:txBody>
+      </p:sp>
+      <p:sp>
+        <p:nvSpPr>
+          <p:cNvPr id="217" name="Right Arrow 216"/>
+          <p:cNvSpPr/>
+          <p:nvPr/>
+        </p:nvSpPr>
+        <p:spPr>
+          <a:xfrm>
+            <a:off x="130571" y="4448921"/>
+            <a:ext cx="111243" cy="116440"/>
+          </a:xfrm>
+          <a:prstGeom prst="rightArrow">
+            <a:avLst/>
+          </a:prstGeom>
+          <a:solidFill>
             <a:schemeClr val="tx1"/>
-          </a:fontRef>
-        </p:style>
-      </p:cxnSp>
-      <p:sp>
-        <p:nvSpPr>
-          <p:cNvPr id="161" name="Oval 160"/>
-          <p:cNvSpPr/>
-          <p:nvPr/>
-        </p:nvSpPr>
-        <p:spPr>
-          <a:xfrm>
-            <a:off x="2927869" y="5738849"/>
+          </a:solidFill>
+          <a:effectLst>
+            <a:outerShdw blurRad="40000" dist="23000" dir="5400000" rotWithShape="0">
+              <a:srgbClr val="000000">
+                <a:alpha val="35000"/>
+              </a:srgbClr>
+            </a:outerShdw>
+          </a:effectLst>
+        </p:spPr>
+        <p:style>
+          <a:lnRef idx="1">
+            <a:schemeClr val="dk1"/>
+          </a:lnRef>
+          <a:fillRef idx="3">
+            <a:schemeClr val="dk1"/>
+          </a:fillRef>
+          <a:effectRef idx="2">
+            <a:schemeClr val="dk1"/>
+          </a:effectRef>
+          <a:fontRef idx="minor">
+            <a:schemeClr val="lt1"/>
+          </a:fontRef>
+        </p:style>
+        <p:txBody>
+          <a:bodyPr rtlCol="0" anchor="ctr"/>
+          <a:lstStyle/>
+          <a:p>
+            <a:pPr algn="ctr"/>
+            <a:endParaRPr lang="en-US"/>
+          </a:p>
+        </p:txBody>
+      </p:sp>
+      <p:sp>
+        <p:nvSpPr>
+          <p:cNvPr id="288" name="TextBox 287"/>
+          <p:cNvSpPr txBox="1"/>
+          <p:nvPr/>
+        </p:nvSpPr>
+        <p:spPr>
+          <a:xfrm>
+            <a:off x="4185118" y="6344290"/>
+            <a:ext cx="569387" cy="307777"/>
+          </a:xfrm>
+          <a:prstGeom prst="rect">
+            <a:avLst/>
+          </a:prstGeom>
+          <a:noFill/>
+        </p:spPr>
+        <p:txBody>
+          <a:bodyPr wrap="none" rtlCol="0">
+            <a:spAutoFit/>
+          </a:bodyPr>
+          <a:lstStyle/>
+          <a:p>
+            <a:r>
+              <a:rPr lang="en-US" sz="1400" b="1" dirty="0" smtClean="0">
+                <a:latin typeface="Times"/>
+                <a:cs typeface="Times"/>
+              </a:rPr>
+              <a:t>Fig.1</a:t>
+            </a:r>
+            <a:endParaRPr lang="en-US" sz="1400" b="1" dirty="0">
+              <a:latin typeface="Times"/>
+              <a:cs typeface="Times"/>
+            </a:endParaRPr>
+          </a:p>
+        </p:txBody>
+      </p:sp>
+      <p:sp>
+        <p:nvSpPr>
+          <p:cNvPr id="164" name="Oval 163"/>
+          <p:cNvSpPr/>
+          <p:nvPr/>
+        </p:nvSpPr>
+        <p:spPr>
+          <a:xfrm>
+            <a:off x="833959" y="4367884"/>
             <a:ext cx="241028" cy="241038"/>
           </a:xfrm>
           <a:prstGeom prst="ellipse">
@@ -14665,14 +15013,14 @@
       </p:sp>
       <p:sp>
         <p:nvSpPr>
-          <p:cNvPr id="162" name="Rectangle 161"/>
-          <p:cNvSpPr/>
-          <p:nvPr/>
-        </p:nvSpPr>
-        <p:spPr>
-          <a:xfrm>
-            <a:off x="2860274" y="5705186"/>
-            <a:ext cx="381309" cy="276999"/>
+          <p:cNvPr id="166" name="Rectangle 165"/>
+          <p:cNvSpPr/>
+          <p:nvPr/>
+        </p:nvSpPr>
+        <p:spPr>
+          <a:xfrm>
+            <a:off x="672313" y="4333643"/>
+            <a:ext cx="607909" cy="276999"/>
           </a:xfrm>
           <a:prstGeom prst="rect">
             <a:avLst/>
@@ -14690,7 +15038,7 @@
                 <a:ea typeface="Lucida Grande"/>
                 <a:cs typeface="Times"/>
               </a:rPr>
-              <a:t>EC</a:t>
+              <a:t>ACEB</a:t>
             </a:r>
             <a:endParaRPr lang="en-US" sz="1200" dirty="0">
               <a:latin typeface="Times"/>
@@ -14699,312 +15047,19 @@
           </a:p>
         </p:txBody>
       </p:sp>
-      <p:sp>
-        <p:nvSpPr>
-          <p:cNvPr id="163" name="Rectangle 162"/>
-          <p:cNvSpPr/>
-          <p:nvPr/>
-        </p:nvSpPr>
-        <p:spPr>
-          <a:xfrm>
-            <a:off x="2138811" y="5718084"/>
-            <a:ext cx="389800" cy="276999"/>
-          </a:xfrm>
-          <a:prstGeom prst="rect">
-            <a:avLst/>
-          </a:prstGeom>
-        </p:spPr>
-        <p:txBody>
-          <a:bodyPr wrap="none">
-            <a:spAutoFit/>
-          </a:bodyPr>
-          <a:lstStyle/>
-          <a:p>
-            <a:r>
-              <a:rPr lang="en-US" altLang="zh-CN" sz="1200" dirty="0" smtClean="0">
-                <a:latin typeface="Times"/>
-                <a:ea typeface="Lucida Grande"/>
-                <a:cs typeface="Times"/>
-              </a:rPr>
-              <a:t>EA</a:t>
-            </a:r>
-            <a:endParaRPr lang="en-US" sz="1200" dirty="0">
-              <a:latin typeface="Times"/>
-              <a:cs typeface="Times"/>
-            </a:endParaRPr>
-          </a:p>
-        </p:txBody>
-      </p:sp>
       <p:cxnSp>
         <p:nvCxnSpPr>
-          <p:cNvPr id="165" name="Straight Connector 164"/>
-          <p:cNvCxnSpPr/>
+          <p:cNvPr id="3" name="Straight Connector 2"/>
+          <p:cNvCxnSpPr>
+            <a:stCxn id="211" idx="3"/>
+            <a:endCxn id="215" idx="0"/>
+          </p:cNvCxnSpPr>
           <p:nvPr/>
         </p:nvCxnSpPr>
         <p:spPr>
-          <a:xfrm>
-            <a:off x="1119039" y="5950938"/>
-            <a:ext cx="139745" cy="319068"/>
-          </a:xfrm>
-          <a:prstGeom prst="line">
-            <a:avLst/>
-          </a:prstGeom>
-        </p:spPr>
-        <p:style>
-          <a:lnRef idx="1">
-            <a:schemeClr val="dk1"/>
-          </a:lnRef>
-          <a:fillRef idx="0">
-            <a:schemeClr val="dk1"/>
-          </a:fillRef>
-          <a:effectRef idx="0">
-            <a:schemeClr val="dk1"/>
-          </a:effectRef>
-          <a:fontRef idx="minor">
-            <a:schemeClr val="tx1"/>
-          </a:fontRef>
-        </p:style>
-      </p:cxnSp>
-      <p:sp>
-        <p:nvSpPr>
-          <p:cNvPr id="168" name="Oval 167"/>
-          <p:cNvSpPr/>
-          <p:nvPr/>
-        </p:nvSpPr>
-        <p:spPr>
-          <a:xfrm>
-            <a:off x="1148029" y="6267296"/>
-            <a:ext cx="241028" cy="241038"/>
-          </a:xfrm>
-          <a:prstGeom prst="ellipse">
-            <a:avLst/>
-          </a:prstGeom>
-          <a:solidFill>
-            <a:schemeClr val="bg1"/>
-          </a:solidFill>
-          <a:ln>
-            <a:solidFill>
-              <a:srgbClr val="000000"/>
-            </a:solidFill>
-          </a:ln>
-          <a:effectLst>
-            <a:outerShdw blurRad="40000" dist="23000" dir="5400000" rotWithShape="0">
-              <a:srgbClr val="000000">
-                <a:alpha val="35000"/>
-              </a:srgbClr>
-            </a:outerShdw>
-          </a:effectLst>
-        </p:spPr>
-        <p:style>
-          <a:lnRef idx="1">
-            <a:schemeClr val="accent1"/>
-          </a:lnRef>
-          <a:fillRef idx="3">
-            <a:schemeClr val="accent1"/>
-          </a:fillRef>
-          <a:effectRef idx="2">
-            <a:schemeClr val="accent1"/>
-          </a:effectRef>
-          <a:fontRef idx="minor">
-            <a:schemeClr val="lt1"/>
-          </a:fontRef>
-        </p:style>
-        <p:txBody>
-          <a:bodyPr rtlCol="0" anchor="ctr"/>
-          <a:lstStyle/>
-          <a:p>
-            <a:pPr algn="ctr"/>
-            <a:endParaRPr lang="en-US">
-              <a:effectLst/>
-            </a:endParaRPr>
-          </a:p>
-        </p:txBody>
-      </p:sp>
-      <p:sp>
-        <p:nvSpPr>
-          <p:cNvPr id="169" name="Rectangle 168"/>
-          <p:cNvSpPr/>
-          <p:nvPr/>
-        </p:nvSpPr>
-        <p:spPr>
-          <a:xfrm>
-            <a:off x="1023463" y="6233055"/>
-            <a:ext cx="505267" cy="276999"/>
-          </a:xfrm>
-          <a:prstGeom prst="rect">
-            <a:avLst/>
-          </a:prstGeom>
-        </p:spPr>
-        <p:txBody>
-          <a:bodyPr wrap="none">
-            <a:spAutoFit/>
-          </a:bodyPr>
-          <a:lstStyle/>
-          <a:p>
-            <a:r>
-              <a:rPr lang="en-US" altLang="zh-CN" sz="1200" dirty="0" smtClean="0">
-                <a:latin typeface="Times"/>
-                <a:ea typeface="Lucida Grande"/>
-                <a:cs typeface="Times"/>
-              </a:rPr>
-              <a:t>AEB</a:t>
-            </a:r>
-            <a:endParaRPr lang="en-US" sz="1200" dirty="0">
-              <a:latin typeface="Times"/>
-              <a:cs typeface="Times"/>
-            </a:endParaRPr>
-          </a:p>
-        </p:txBody>
-      </p:sp>
-      <p:sp>
-        <p:nvSpPr>
-          <p:cNvPr id="170" name="Right Arrow 169"/>
-          <p:cNvSpPr/>
-          <p:nvPr/>
-        </p:nvSpPr>
-        <p:spPr>
-          <a:xfrm>
-            <a:off x="960309" y="6344290"/>
-            <a:ext cx="111243" cy="116440"/>
-          </a:xfrm>
-          <a:prstGeom prst="rightArrow">
-            <a:avLst/>
-          </a:prstGeom>
-          <a:solidFill>
-            <a:schemeClr val="tx1"/>
-          </a:solidFill>
-          <a:effectLst>
-            <a:outerShdw blurRad="40000" dist="23000" dir="5400000" rotWithShape="0">
-              <a:srgbClr val="000000">
-                <a:alpha val="35000"/>
-              </a:srgbClr>
-            </a:outerShdw>
-          </a:effectLst>
-        </p:spPr>
-        <p:style>
-          <a:lnRef idx="1">
-            <a:schemeClr val="dk1"/>
-          </a:lnRef>
-          <a:fillRef idx="3">
-            <a:schemeClr val="dk1"/>
-          </a:fillRef>
-          <a:effectRef idx="2">
-            <a:schemeClr val="dk1"/>
-          </a:effectRef>
-          <a:fontRef idx="minor">
-            <a:schemeClr val="lt1"/>
-          </a:fontRef>
-        </p:style>
-        <p:txBody>
-          <a:bodyPr rtlCol="0" anchor="ctr"/>
-          <a:lstStyle/>
-          <a:p>
-            <a:pPr algn="ctr"/>
-            <a:endParaRPr lang="en-US"/>
-          </a:p>
-        </p:txBody>
-      </p:sp>
-      <p:sp>
-        <p:nvSpPr>
-          <p:cNvPr id="171" name="Rectangle 170"/>
-          <p:cNvSpPr/>
-          <p:nvPr/>
-        </p:nvSpPr>
-        <p:spPr>
-          <a:xfrm>
-            <a:off x="1524238" y="4787384"/>
-            <a:ext cx="334396" cy="307777"/>
-          </a:xfrm>
-          <a:prstGeom prst="rect">
-            <a:avLst/>
-          </a:prstGeom>
-        </p:spPr>
-        <p:txBody>
-          <a:bodyPr wrap="none">
-            <a:spAutoFit/>
-          </a:bodyPr>
-          <a:lstStyle/>
-          <a:p>
-            <a:r>
-              <a:rPr lang="en-US" sz="1400" i="0" dirty="0" err="1" smtClean="0">
-                <a:latin typeface="Times"/>
-                <a:ea typeface="Lucida Grande"/>
-                <a:cs typeface="Times"/>
-              </a:rPr>
-              <a:t>Φ</a:t>
-            </a:r>
-            <a:endParaRPr lang="en-US" sz="1400" dirty="0">
-              <a:latin typeface="Times"/>
-              <a:cs typeface="Times"/>
-            </a:endParaRPr>
-          </a:p>
-        </p:txBody>
-      </p:sp>
-      <p:sp>
-        <p:nvSpPr>
-          <p:cNvPr id="193" name="Oval 192"/>
-          <p:cNvSpPr/>
-          <p:nvPr/>
-        </p:nvSpPr>
-        <p:spPr>
-          <a:xfrm>
-            <a:off x="1698319" y="2347326"/>
-            <a:ext cx="241028" cy="241038"/>
-          </a:xfrm>
-          <a:prstGeom prst="ellipse">
-            <a:avLst/>
-          </a:prstGeom>
-          <a:solidFill>
-            <a:srgbClr val="A6A6A6"/>
-          </a:solidFill>
-          <a:ln>
-            <a:solidFill>
-              <a:srgbClr val="000000"/>
-            </a:solidFill>
-          </a:ln>
-          <a:effectLst>
-            <a:outerShdw blurRad="40000" dist="23000" dir="5400000" rotWithShape="0">
-              <a:srgbClr val="000000">
-                <a:alpha val="35000"/>
-              </a:srgbClr>
-            </a:outerShdw>
-          </a:effectLst>
-        </p:spPr>
-        <p:style>
-          <a:lnRef idx="1">
-            <a:schemeClr val="accent1"/>
-          </a:lnRef>
-          <a:fillRef idx="3">
-            <a:schemeClr val="accent1"/>
-          </a:fillRef>
-          <a:effectRef idx="2">
-            <a:schemeClr val="accent1"/>
-          </a:effectRef>
-          <a:fontRef idx="minor">
-            <a:schemeClr val="lt1"/>
-          </a:fontRef>
-        </p:style>
-        <p:txBody>
-          <a:bodyPr rtlCol="0" anchor="ctr"/>
-          <a:lstStyle/>
-          <a:p>
-            <a:pPr algn="ctr"/>
-            <a:endParaRPr lang="en-US" dirty="0">
-              <a:effectLst/>
-            </a:endParaRPr>
-          </a:p>
-        </p:txBody>
-      </p:sp>
-      <p:cxnSp>
-        <p:nvCxnSpPr>
-          <p:cNvPr id="194" name="Straight Connector 193"/>
-          <p:cNvCxnSpPr/>
-          <p:nvPr/>
-        </p:nvCxnSpPr>
-        <p:spPr>
           <a:xfrm flipH="1">
-            <a:off x="901073" y="2515981"/>
-            <a:ext cx="797246" cy="305932"/>
+            <a:off x="486893" y="4074132"/>
+            <a:ext cx="68294" cy="289688"/>
           </a:xfrm>
           <a:prstGeom prst="line">
             <a:avLst/>
@@ -15027,16 +15082,17 @@
       </p:cxnSp>
       <p:cxnSp>
         <p:nvCxnSpPr>
-          <p:cNvPr id="195" name="Straight Connector 194"/>
+          <p:cNvPr id="52" name="Straight Connector 51"/>
           <p:cNvCxnSpPr>
-            <a:endCxn id="199" idx="1"/>
+            <a:stCxn id="211" idx="5"/>
+            <a:endCxn id="164" idx="0"/>
           </p:cNvCxnSpPr>
           <p:nvPr/>
         </p:nvCxnSpPr>
         <p:spPr>
           <a:xfrm>
-            <a:off x="1941129" y="2506710"/>
-            <a:ext cx="754449" cy="331960"/>
+            <a:off x="725619" y="4074132"/>
+            <a:ext cx="228854" cy="293752"/>
           </a:xfrm>
           <a:prstGeom prst="line">
             <a:avLst/>
@@ -15057,917 +15113,6 @@
           </a:fontRef>
         </p:style>
       </p:cxnSp>
-      <p:cxnSp>
-        <p:nvCxnSpPr>
-          <p:cNvPr id="196" name="Straight Connector 195"/>
-          <p:cNvCxnSpPr>
-            <a:stCxn id="193" idx="4"/>
-          </p:cNvCxnSpPr>
-          <p:nvPr/>
-        </p:nvCxnSpPr>
-        <p:spPr>
-          <a:xfrm>
-            <a:off x="1818833" y="2588364"/>
-            <a:ext cx="9270" cy="233549"/>
-          </a:xfrm>
-          <a:prstGeom prst="line">
-            <a:avLst/>
-          </a:prstGeom>
-        </p:spPr>
-        <p:style>
-          <a:lnRef idx="1">
-            <a:schemeClr val="dk1"/>
-          </a:lnRef>
-          <a:fillRef idx="0">
-            <a:schemeClr val="dk1"/>
-          </a:fillRef>
-          <a:effectRef idx="0">
-            <a:schemeClr val="dk1"/>
-          </a:effectRef>
-          <a:fontRef idx="minor">
-            <a:schemeClr val="tx1"/>
-          </a:fontRef>
-        </p:style>
-      </p:cxnSp>
-      <p:sp>
-        <p:nvSpPr>
-          <p:cNvPr id="197" name="Oval 196"/>
-          <p:cNvSpPr/>
-          <p:nvPr/>
-        </p:nvSpPr>
-        <p:spPr>
-          <a:xfrm>
-            <a:off x="1711669" y="2824211"/>
-            <a:ext cx="241028" cy="241038"/>
-          </a:xfrm>
-          <a:prstGeom prst="ellipse">
-            <a:avLst/>
-          </a:prstGeom>
-          <a:solidFill>
-            <a:srgbClr val="FFFFFF"/>
-          </a:solidFill>
-          <a:ln>
-            <a:solidFill>
-              <a:srgbClr val="000000"/>
-            </a:solidFill>
-          </a:ln>
-          <a:effectLst>
-            <a:outerShdw blurRad="40000" dist="23000" dir="5400000" rotWithShape="0">
-              <a:srgbClr val="000000">
-                <a:alpha val="35000"/>
-              </a:srgbClr>
-            </a:outerShdw>
-          </a:effectLst>
-        </p:spPr>
-        <p:style>
-          <a:lnRef idx="1">
-            <a:schemeClr val="accent1"/>
-          </a:lnRef>
-          <a:fillRef idx="3">
-            <a:schemeClr val="accent1"/>
-          </a:fillRef>
-          <a:effectRef idx="2">
-            <a:schemeClr val="accent1"/>
-          </a:effectRef>
-          <a:fontRef idx="minor">
-            <a:schemeClr val="lt1"/>
-          </a:fontRef>
-        </p:style>
-        <p:txBody>
-          <a:bodyPr rtlCol="0" anchor="ctr"/>
-          <a:lstStyle/>
-          <a:p>
-            <a:pPr algn="ctr"/>
-            <a:endParaRPr lang="en-US">
-              <a:effectLst/>
-            </a:endParaRPr>
-          </a:p>
-        </p:txBody>
-      </p:sp>
-      <p:sp>
-        <p:nvSpPr>
-          <p:cNvPr id="198" name="Oval 197"/>
-          <p:cNvSpPr/>
-          <p:nvPr/>
-        </p:nvSpPr>
-        <p:spPr>
-          <a:xfrm>
-            <a:off x="706399" y="2812642"/>
-            <a:ext cx="241028" cy="241038"/>
-          </a:xfrm>
-          <a:prstGeom prst="ellipse">
-            <a:avLst/>
-          </a:prstGeom>
-          <a:solidFill>
-            <a:srgbClr val="A6A6A6"/>
-          </a:solidFill>
-          <a:ln>
-            <a:solidFill>
-              <a:srgbClr val="000000"/>
-            </a:solidFill>
-          </a:ln>
-          <a:effectLst>
-            <a:outerShdw blurRad="40000" dist="23000" dir="5400000" rotWithShape="0">
-              <a:srgbClr val="000000">
-                <a:alpha val="35000"/>
-              </a:srgbClr>
-            </a:outerShdw>
-          </a:effectLst>
-        </p:spPr>
-        <p:style>
-          <a:lnRef idx="1">
-            <a:schemeClr val="accent1"/>
-          </a:lnRef>
-          <a:fillRef idx="3">
-            <a:schemeClr val="accent1"/>
-          </a:fillRef>
-          <a:effectRef idx="2">
-            <a:schemeClr val="accent1"/>
-          </a:effectRef>
-          <a:fontRef idx="minor">
-            <a:schemeClr val="lt1"/>
-          </a:fontRef>
-        </p:style>
-        <p:txBody>
-          <a:bodyPr rtlCol="0" anchor="ctr"/>
-          <a:lstStyle/>
-          <a:p>
-            <a:pPr algn="ctr"/>
-            <a:endParaRPr lang="en-US">
-              <a:effectLst/>
-            </a:endParaRPr>
-          </a:p>
-        </p:txBody>
-      </p:sp>
-      <p:sp>
-        <p:nvSpPr>
-          <p:cNvPr id="199" name="Oval 198"/>
-          <p:cNvSpPr/>
-          <p:nvPr/>
-        </p:nvSpPr>
-        <p:spPr>
-          <a:xfrm>
-            <a:off x="2660280" y="2803371"/>
-            <a:ext cx="241028" cy="241038"/>
-          </a:xfrm>
-          <a:prstGeom prst="ellipse">
-            <a:avLst/>
-          </a:prstGeom>
-          <a:solidFill>
-            <a:srgbClr val="FFFFFF"/>
-          </a:solidFill>
-          <a:ln>
-            <a:solidFill>
-              <a:srgbClr val="000000"/>
-            </a:solidFill>
-          </a:ln>
-          <a:effectLst>
-            <a:outerShdw blurRad="40000" dist="23000" dir="5400000" rotWithShape="0">
-              <a:srgbClr val="000000">
-                <a:alpha val="35000"/>
-              </a:srgbClr>
-            </a:outerShdw>
-          </a:effectLst>
-        </p:spPr>
-        <p:style>
-          <a:lnRef idx="1">
-            <a:schemeClr val="accent1"/>
-          </a:lnRef>
-          <a:fillRef idx="3">
-            <a:schemeClr val="accent1"/>
-          </a:fillRef>
-          <a:effectRef idx="2">
-            <a:schemeClr val="accent1"/>
-          </a:effectRef>
-          <a:fontRef idx="minor">
-            <a:schemeClr val="lt1"/>
-          </a:fontRef>
-        </p:style>
-        <p:txBody>
-          <a:bodyPr rtlCol="0" anchor="ctr"/>
-          <a:lstStyle/>
-          <a:p>
-            <a:pPr algn="ctr"/>
-            <a:endParaRPr lang="en-US">
-              <a:effectLst/>
-            </a:endParaRPr>
-          </a:p>
-        </p:txBody>
-      </p:sp>
-      <p:sp>
-        <p:nvSpPr>
-          <p:cNvPr id="200" name="Rectangle 199"/>
-          <p:cNvSpPr/>
-          <p:nvPr/>
-        </p:nvSpPr>
-        <p:spPr>
-          <a:xfrm>
-            <a:off x="1662059" y="2311365"/>
-            <a:ext cx="334396" cy="307777"/>
-          </a:xfrm>
-          <a:prstGeom prst="rect">
-            <a:avLst/>
-          </a:prstGeom>
-        </p:spPr>
-        <p:txBody>
-          <a:bodyPr wrap="none">
-            <a:spAutoFit/>
-          </a:bodyPr>
-          <a:lstStyle/>
-          <a:p>
-            <a:r>
-              <a:rPr lang="en-US" sz="1400" i="0" dirty="0" err="1" smtClean="0">
-                <a:latin typeface="Times"/>
-                <a:ea typeface="Lucida Grande"/>
-                <a:cs typeface="Times"/>
-              </a:rPr>
-              <a:t>Φ</a:t>
-            </a:r>
-            <a:endParaRPr lang="en-US" sz="1400" dirty="0">
-              <a:latin typeface="Times"/>
-              <a:cs typeface="Times"/>
-            </a:endParaRPr>
-          </a:p>
-        </p:txBody>
-      </p:sp>
-      <p:sp>
-        <p:nvSpPr>
-          <p:cNvPr id="201" name="Rectangle 200"/>
-          <p:cNvSpPr/>
-          <p:nvPr/>
-        </p:nvSpPr>
-        <p:spPr>
-          <a:xfrm>
-            <a:off x="685154" y="2778979"/>
-            <a:ext cx="308623" cy="276999"/>
-          </a:xfrm>
-          <a:prstGeom prst="rect">
-            <a:avLst/>
-          </a:prstGeom>
-        </p:spPr>
-        <p:txBody>
-          <a:bodyPr wrap="none">
-            <a:spAutoFit/>
-          </a:bodyPr>
-          <a:lstStyle/>
-          <a:p>
-            <a:r>
-              <a:rPr lang="en-US" altLang="zh-CN" sz="1200" dirty="0">
-                <a:latin typeface="Times"/>
-                <a:ea typeface="Lucida Grande"/>
-                <a:cs typeface="Times"/>
-              </a:rPr>
-              <a:t>A</a:t>
-            </a:r>
-            <a:endParaRPr lang="en-US" sz="1200" dirty="0">
-              <a:latin typeface="Times"/>
-              <a:cs typeface="Times"/>
-            </a:endParaRPr>
-          </a:p>
-        </p:txBody>
-      </p:sp>
-      <p:sp>
-        <p:nvSpPr>
-          <p:cNvPr id="202" name="Rectangle 201"/>
-          <p:cNvSpPr/>
-          <p:nvPr/>
-        </p:nvSpPr>
-        <p:spPr>
-          <a:xfrm>
-            <a:off x="1690422" y="2792879"/>
-            <a:ext cx="287308" cy="276999"/>
-          </a:xfrm>
-          <a:prstGeom prst="rect">
-            <a:avLst/>
-          </a:prstGeom>
-        </p:spPr>
-        <p:txBody>
-          <a:bodyPr wrap="none">
-            <a:spAutoFit/>
-          </a:bodyPr>
-          <a:lstStyle/>
-          <a:p>
-            <a:r>
-              <a:rPr lang="en-US" altLang="zh-CN" sz="1200" dirty="0" smtClean="0">
-                <a:latin typeface="Times"/>
-                <a:ea typeface="Lucida Grande"/>
-                <a:cs typeface="Times"/>
-              </a:rPr>
-              <a:t>C</a:t>
-            </a:r>
-            <a:endParaRPr lang="en-US" sz="1200" dirty="0">
-              <a:latin typeface="Times"/>
-              <a:cs typeface="Times"/>
-            </a:endParaRPr>
-          </a:p>
-        </p:txBody>
-      </p:sp>
-      <p:sp>
-        <p:nvSpPr>
-          <p:cNvPr id="203" name="Rectangle 202"/>
-          <p:cNvSpPr/>
-          <p:nvPr/>
-        </p:nvSpPr>
-        <p:spPr>
-          <a:xfrm>
-            <a:off x="2644147" y="2774337"/>
-            <a:ext cx="278667" cy="276999"/>
-          </a:xfrm>
-          <a:prstGeom prst="rect">
-            <a:avLst/>
-          </a:prstGeom>
-        </p:spPr>
-        <p:txBody>
-          <a:bodyPr wrap="none">
-            <a:spAutoFit/>
-          </a:bodyPr>
-          <a:lstStyle/>
-          <a:p>
-            <a:r>
-              <a:rPr lang="en-US" altLang="zh-CN" sz="1200" dirty="0" smtClean="0">
-                <a:latin typeface="Times"/>
-                <a:ea typeface="Lucida Grande"/>
-                <a:cs typeface="Times"/>
-              </a:rPr>
-              <a:t>E</a:t>
-            </a:r>
-            <a:endParaRPr lang="en-US" sz="1200" dirty="0">
-              <a:latin typeface="Times"/>
-              <a:cs typeface="Times"/>
-            </a:endParaRPr>
-          </a:p>
-        </p:txBody>
-      </p:sp>
-      <p:cxnSp>
-        <p:nvCxnSpPr>
-          <p:cNvPr id="204" name="Straight Connector 203"/>
-          <p:cNvCxnSpPr/>
-          <p:nvPr/>
-        </p:nvCxnSpPr>
-        <p:spPr>
-          <a:xfrm flipH="1">
-            <a:off x="489189" y="3009110"/>
-            <a:ext cx="233968" cy="242681"/>
-          </a:xfrm>
-          <a:prstGeom prst="line">
-            <a:avLst/>
-          </a:prstGeom>
-        </p:spPr>
-        <p:style>
-          <a:lnRef idx="1">
-            <a:schemeClr val="dk1"/>
-          </a:lnRef>
-          <a:fillRef idx="0">
-            <a:schemeClr val="dk1"/>
-          </a:fillRef>
-          <a:effectRef idx="0">
-            <a:schemeClr val="dk1"/>
-          </a:effectRef>
-          <a:fontRef idx="minor">
-            <a:schemeClr val="tx1"/>
-          </a:fontRef>
-        </p:style>
-      </p:cxnSp>
-      <p:sp>
-        <p:nvSpPr>
-          <p:cNvPr id="205" name="Oval 204"/>
-          <p:cNvSpPr/>
-          <p:nvPr/>
-        </p:nvSpPr>
-        <p:spPr>
-          <a:xfrm>
-            <a:off x="339679" y="3252443"/>
-            <a:ext cx="241028" cy="241038"/>
-          </a:xfrm>
-          <a:prstGeom prst="ellipse">
-            <a:avLst/>
-          </a:prstGeom>
-          <a:solidFill>
-            <a:srgbClr val="A6A6A6"/>
-          </a:solidFill>
-          <a:ln>
-            <a:solidFill>
-              <a:srgbClr val="000000"/>
-            </a:solidFill>
-          </a:ln>
-          <a:effectLst>
-            <a:outerShdw blurRad="40000" dist="23000" dir="5400000" rotWithShape="0">
-              <a:srgbClr val="000000">
-                <a:alpha val="35000"/>
-              </a:srgbClr>
-            </a:outerShdw>
-          </a:effectLst>
-        </p:spPr>
-        <p:style>
-          <a:lnRef idx="1">
-            <a:schemeClr val="accent1"/>
-          </a:lnRef>
-          <a:fillRef idx="3">
-            <a:schemeClr val="accent1"/>
-          </a:fillRef>
-          <a:effectRef idx="2">
-            <a:schemeClr val="accent1"/>
-          </a:effectRef>
-          <a:fontRef idx="minor">
-            <a:schemeClr val="lt1"/>
-          </a:fontRef>
-        </p:style>
-        <p:txBody>
-          <a:bodyPr rtlCol="0" anchor="ctr"/>
-          <a:lstStyle/>
-          <a:p>
-            <a:pPr algn="ctr"/>
-            <a:endParaRPr lang="en-US">
-              <a:effectLst/>
-            </a:endParaRPr>
-          </a:p>
-        </p:txBody>
-      </p:sp>
-      <p:cxnSp>
-        <p:nvCxnSpPr>
-          <p:cNvPr id="206" name="Straight Connector 205"/>
-          <p:cNvCxnSpPr>
-            <a:stCxn id="198" idx="5"/>
-          </p:cNvCxnSpPr>
-          <p:nvPr/>
-        </p:nvCxnSpPr>
-        <p:spPr>
-          <a:xfrm>
-            <a:off x="912129" y="3018381"/>
-            <a:ext cx="263063" cy="234062"/>
-          </a:xfrm>
-          <a:prstGeom prst="line">
-            <a:avLst/>
-          </a:prstGeom>
-        </p:spPr>
-        <p:style>
-          <a:lnRef idx="1">
-            <a:schemeClr val="dk1"/>
-          </a:lnRef>
-          <a:fillRef idx="0">
-            <a:schemeClr val="dk1"/>
-          </a:fillRef>
-          <a:effectRef idx="0">
-            <a:schemeClr val="dk1"/>
-          </a:effectRef>
-          <a:fontRef idx="minor">
-            <a:schemeClr val="tx1"/>
-          </a:fontRef>
-        </p:style>
-      </p:cxnSp>
-      <p:sp>
-        <p:nvSpPr>
-          <p:cNvPr id="207" name="Oval 206"/>
-          <p:cNvSpPr/>
-          <p:nvPr/>
-        </p:nvSpPr>
-        <p:spPr>
-          <a:xfrm>
-            <a:off x="1039009" y="3256507"/>
-            <a:ext cx="241028" cy="241038"/>
-          </a:xfrm>
-          <a:prstGeom prst="ellipse">
-            <a:avLst/>
-          </a:prstGeom>
-          <a:solidFill>
-            <a:schemeClr val="bg1"/>
-          </a:solidFill>
-          <a:ln>
-            <a:solidFill>
-              <a:srgbClr val="000000"/>
-            </a:solidFill>
-          </a:ln>
-          <a:effectLst>
-            <a:outerShdw blurRad="40000" dist="23000" dir="5400000" rotWithShape="0">
-              <a:srgbClr val="000000">
-                <a:alpha val="35000"/>
-              </a:srgbClr>
-            </a:outerShdw>
-          </a:effectLst>
-        </p:spPr>
-        <p:style>
-          <a:lnRef idx="1">
-            <a:schemeClr val="accent1"/>
-          </a:lnRef>
-          <a:fillRef idx="3">
-            <a:schemeClr val="accent1"/>
-          </a:fillRef>
-          <a:effectRef idx="2">
-            <a:schemeClr val="accent1"/>
-          </a:effectRef>
-          <a:fontRef idx="minor">
-            <a:schemeClr val="lt1"/>
-          </a:fontRef>
-        </p:style>
-        <p:txBody>
-          <a:bodyPr rtlCol="0" anchor="ctr"/>
-          <a:lstStyle/>
-          <a:p>
-            <a:pPr algn="ctr"/>
-            <a:endParaRPr lang="en-US">
-              <a:effectLst/>
-            </a:endParaRPr>
-          </a:p>
-        </p:txBody>
-      </p:sp>
-      <p:sp>
-        <p:nvSpPr>
-          <p:cNvPr id="208" name="Rectangle 207"/>
-          <p:cNvSpPr/>
-          <p:nvPr/>
-        </p:nvSpPr>
-        <p:spPr>
-          <a:xfrm>
-            <a:off x="962144" y="3222844"/>
-            <a:ext cx="402674" cy="276999"/>
-          </a:xfrm>
-          <a:prstGeom prst="rect">
-            <a:avLst/>
-          </a:prstGeom>
-        </p:spPr>
-        <p:txBody>
-          <a:bodyPr wrap="none">
-            <a:spAutoFit/>
-          </a:bodyPr>
-          <a:lstStyle/>
-          <a:p>
-            <a:r>
-              <a:rPr lang="en-US" altLang="zh-CN" sz="1200" dirty="0" smtClean="0">
-                <a:latin typeface="Times"/>
-                <a:ea typeface="Lucida Grande"/>
-                <a:cs typeface="Times"/>
-              </a:rPr>
-              <a:t>AE</a:t>
-            </a:r>
-            <a:endParaRPr lang="en-US" sz="1200" dirty="0">
-              <a:latin typeface="Times"/>
-              <a:cs typeface="Times"/>
-            </a:endParaRPr>
-          </a:p>
-        </p:txBody>
-      </p:sp>
-      <p:sp>
-        <p:nvSpPr>
-          <p:cNvPr id="209" name="Rectangle 208"/>
-          <p:cNvSpPr/>
-          <p:nvPr/>
-        </p:nvSpPr>
-        <p:spPr>
-          <a:xfrm>
-            <a:off x="261463" y="3218202"/>
-            <a:ext cx="411265" cy="276999"/>
-          </a:xfrm>
-          <a:prstGeom prst="rect">
-            <a:avLst/>
-          </a:prstGeom>
-        </p:spPr>
-        <p:txBody>
-          <a:bodyPr wrap="none">
-            <a:spAutoFit/>
-          </a:bodyPr>
-          <a:lstStyle/>
-          <a:p>
-            <a:r>
-              <a:rPr lang="en-US" altLang="zh-CN" sz="1200" dirty="0" smtClean="0">
-                <a:latin typeface="Times"/>
-                <a:ea typeface="Lucida Grande"/>
-                <a:cs typeface="Times"/>
-              </a:rPr>
-              <a:t>AC</a:t>
-            </a:r>
-            <a:endParaRPr lang="en-US" sz="1200" dirty="0">
-              <a:latin typeface="Times"/>
-              <a:cs typeface="Times"/>
-            </a:endParaRPr>
-          </a:p>
-        </p:txBody>
-      </p:sp>
-      <p:cxnSp>
-        <p:nvCxnSpPr>
-          <p:cNvPr id="210" name="Straight Connector 209"/>
-          <p:cNvCxnSpPr/>
-          <p:nvPr/>
-        </p:nvCxnSpPr>
-        <p:spPr>
-          <a:xfrm>
-            <a:off x="470649" y="3490572"/>
-            <a:ext cx="0" cy="305220"/>
-          </a:xfrm>
-          <a:prstGeom prst="line">
-            <a:avLst/>
-          </a:prstGeom>
-        </p:spPr>
-        <p:style>
-          <a:lnRef idx="1">
-            <a:schemeClr val="dk1"/>
-          </a:lnRef>
-          <a:fillRef idx="0">
-            <a:schemeClr val="dk1"/>
-          </a:fillRef>
-          <a:effectRef idx="0">
-            <a:schemeClr val="dk1"/>
-          </a:effectRef>
-          <a:fontRef idx="minor">
-            <a:schemeClr val="tx1"/>
-          </a:fontRef>
-        </p:style>
-      </p:cxnSp>
-      <p:sp>
-        <p:nvSpPr>
-          <p:cNvPr id="211" name="Oval 210"/>
-          <p:cNvSpPr/>
-          <p:nvPr/>
-        </p:nvSpPr>
-        <p:spPr>
-          <a:xfrm>
-            <a:off x="353029" y="3803496"/>
-            <a:ext cx="241028" cy="241038"/>
-          </a:xfrm>
-          <a:prstGeom prst="ellipse">
-            <a:avLst/>
-          </a:prstGeom>
-          <a:solidFill>
-            <a:srgbClr val="BFBFBF"/>
-          </a:solidFill>
-          <a:ln>
-            <a:solidFill>
-              <a:srgbClr val="000000"/>
-            </a:solidFill>
-          </a:ln>
-          <a:effectLst>
-            <a:outerShdw blurRad="40000" dist="23000" dir="5400000" rotWithShape="0">
-              <a:srgbClr val="000000">
-                <a:alpha val="35000"/>
-              </a:srgbClr>
-            </a:outerShdw>
-          </a:effectLst>
-        </p:spPr>
-        <p:style>
-          <a:lnRef idx="1">
-            <a:schemeClr val="accent1"/>
-          </a:lnRef>
-          <a:fillRef idx="3">
-            <a:schemeClr val="accent1"/>
-          </a:fillRef>
-          <a:effectRef idx="2">
-            <a:schemeClr val="accent1"/>
-          </a:effectRef>
-          <a:fontRef idx="minor">
-            <a:schemeClr val="lt1"/>
-          </a:fontRef>
-        </p:style>
-        <p:txBody>
-          <a:bodyPr rtlCol="0" anchor="ctr"/>
-          <a:lstStyle/>
-          <a:p>
-            <a:pPr algn="ctr"/>
-            <a:endParaRPr lang="en-US">
-              <a:effectLst/>
-            </a:endParaRPr>
-          </a:p>
-        </p:txBody>
-      </p:sp>
-      <p:sp>
-        <p:nvSpPr>
-          <p:cNvPr id="212" name="Rectangle 211"/>
-          <p:cNvSpPr/>
-          <p:nvPr/>
-        </p:nvSpPr>
-        <p:spPr>
-          <a:xfrm>
-            <a:off x="228463" y="3769255"/>
-            <a:ext cx="505267" cy="276999"/>
-          </a:xfrm>
-          <a:prstGeom prst="rect">
-            <a:avLst/>
-          </a:prstGeom>
-        </p:spPr>
-        <p:txBody>
-          <a:bodyPr wrap="none">
-            <a:spAutoFit/>
-          </a:bodyPr>
-          <a:lstStyle/>
-          <a:p>
-            <a:r>
-              <a:rPr lang="en-US" altLang="zh-CN" sz="1200" dirty="0" smtClean="0">
-                <a:latin typeface="Times"/>
-                <a:ea typeface="Lucida Grande"/>
-                <a:cs typeface="Times"/>
-              </a:rPr>
-              <a:t>ACE</a:t>
-            </a:r>
-            <a:endParaRPr lang="en-US" sz="1200" dirty="0">
-              <a:latin typeface="Times"/>
-              <a:cs typeface="Times"/>
-            </a:endParaRPr>
-          </a:p>
-        </p:txBody>
-      </p:sp>
-      <p:cxnSp>
-        <p:nvCxnSpPr>
-          <p:cNvPr id="214" name="Straight Connector 213"/>
-          <p:cNvCxnSpPr/>
-          <p:nvPr/>
-        </p:nvCxnSpPr>
-        <p:spPr>
-          <a:xfrm>
-            <a:off x="483999" y="4050896"/>
-            <a:ext cx="0" cy="305220"/>
-          </a:xfrm>
-          <a:prstGeom prst="line">
-            <a:avLst/>
-          </a:prstGeom>
-        </p:spPr>
-        <p:style>
-          <a:lnRef idx="1">
-            <a:schemeClr val="dk1"/>
-          </a:lnRef>
-          <a:fillRef idx="0">
-            <a:schemeClr val="dk1"/>
-          </a:fillRef>
-          <a:effectRef idx="0">
-            <a:schemeClr val="dk1"/>
-          </a:effectRef>
-          <a:fontRef idx="minor">
-            <a:schemeClr val="tx1"/>
-          </a:fontRef>
-        </p:style>
-      </p:cxnSp>
-      <p:sp>
-        <p:nvSpPr>
-          <p:cNvPr id="215" name="Oval 214"/>
-          <p:cNvSpPr/>
-          <p:nvPr/>
-        </p:nvSpPr>
-        <p:spPr>
-          <a:xfrm>
-            <a:off x="366379" y="4363820"/>
-            <a:ext cx="241028" cy="241038"/>
-          </a:xfrm>
-          <a:prstGeom prst="ellipse">
-            <a:avLst/>
-          </a:prstGeom>
-          <a:solidFill>
-            <a:schemeClr val="bg1"/>
-          </a:solidFill>
-          <a:ln>
-            <a:solidFill>
-              <a:srgbClr val="000000"/>
-            </a:solidFill>
-          </a:ln>
-          <a:effectLst>
-            <a:outerShdw blurRad="40000" dist="23000" dir="5400000" rotWithShape="0">
-              <a:srgbClr val="000000">
-                <a:alpha val="35000"/>
-              </a:srgbClr>
-            </a:outerShdw>
-          </a:effectLst>
-        </p:spPr>
-        <p:style>
-          <a:lnRef idx="1">
-            <a:schemeClr val="accent1"/>
-          </a:lnRef>
-          <a:fillRef idx="3">
-            <a:schemeClr val="accent1"/>
-          </a:fillRef>
-          <a:effectRef idx="2">
-            <a:schemeClr val="accent1"/>
-          </a:effectRef>
-          <a:fontRef idx="minor">
-            <a:schemeClr val="lt1"/>
-          </a:fontRef>
-        </p:style>
-        <p:txBody>
-          <a:bodyPr rtlCol="0" anchor="ctr"/>
-          <a:lstStyle/>
-          <a:p>
-            <a:pPr algn="ctr"/>
-            <a:endParaRPr lang="en-US">
-              <a:effectLst/>
-            </a:endParaRPr>
-          </a:p>
-        </p:txBody>
-      </p:sp>
-      <p:sp>
-        <p:nvSpPr>
-          <p:cNvPr id="216" name="Rectangle 215"/>
-          <p:cNvSpPr/>
-          <p:nvPr/>
-        </p:nvSpPr>
-        <p:spPr>
-          <a:xfrm>
-            <a:off x="204733" y="4329579"/>
-            <a:ext cx="616400" cy="276999"/>
-          </a:xfrm>
-          <a:prstGeom prst="rect">
-            <a:avLst/>
-          </a:prstGeom>
-        </p:spPr>
-        <p:txBody>
-          <a:bodyPr wrap="none">
-            <a:spAutoFit/>
-          </a:bodyPr>
-          <a:lstStyle/>
-          <a:p>
-            <a:r>
-              <a:rPr lang="en-US" altLang="zh-CN" sz="1200" dirty="0" smtClean="0">
-                <a:latin typeface="Times"/>
-                <a:ea typeface="Lucida Grande"/>
-                <a:cs typeface="Times"/>
-              </a:rPr>
-              <a:t>ACED</a:t>
-            </a:r>
-            <a:endParaRPr lang="en-US" sz="1200" dirty="0">
-              <a:latin typeface="Times"/>
-              <a:cs typeface="Times"/>
-            </a:endParaRPr>
-          </a:p>
-        </p:txBody>
-      </p:sp>
-      <p:sp>
-        <p:nvSpPr>
-          <p:cNvPr id="217" name="Right Arrow 216"/>
-          <p:cNvSpPr/>
-          <p:nvPr/>
-        </p:nvSpPr>
-        <p:spPr>
-          <a:xfrm>
-            <a:off x="130571" y="4448921"/>
-            <a:ext cx="111243" cy="116440"/>
-          </a:xfrm>
-          <a:prstGeom prst="rightArrow">
-            <a:avLst/>
-          </a:prstGeom>
-          <a:solidFill>
-            <a:schemeClr val="tx1"/>
-          </a:solidFill>
-          <a:effectLst>
-            <a:outerShdw blurRad="40000" dist="23000" dir="5400000" rotWithShape="0">
-              <a:srgbClr val="000000">
-                <a:alpha val="35000"/>
-              </a:srgbClr>
-            </a:outerShdw>
-          </a:effectLst>
-        </p:spPr>
-        <p:style>
-          <a:lnRef idx="1">
-            <a:schemeClr val="dk1"/>
-          </a:lnRef>
-          <a:fillRef idx="3">
-            <a:schemeClr val="dk1"/>
-          </a:fillRef>
-          <a:effectRef idx="2">
-            <a:schemeClr val="dk1"/>
-          </a:effectRef>
-          <a:fontRef idx="minor">
-            <a:schemeClr val="lt1"/>
-          </a:fontRef>
-        </p:style>
-        <p:txBody>
-          <a:bodyPr rtlCol="0" anchor="ctr"/>
-          <a:lstStyle/>
-          <a:p>
-            <a:pPr algn="ctr"/>
-            <a:endParaRPr lang="en-US"/>
-          </a:p>
-        </p:txBody>
-      </p:sp>
-      <p:sp>
-        <p:nvSpPr>
-          <p:cNvPr id="288" name="TextBox 287"/>
-          <p:cNvSpPr txBox="1"/>
-          <p:nvPr/>
-        </p:nvSpPr>
-        <p:spPr>
-          <a:xfrm>
-            <a:off x="4185118" y="6344290"/>
-            <a:ext cx="568635" cy="307777"/>
-          </a:xfrm>
-          <a:prstGeom prst="rect">
-            <a:avLst/>
-          </a:prstGeom>
-          <a:noFill/>
-        </p:spPr>
-        <p:txBody>
-          <a:bodyPr wrap="none" rtlCol="0">
-            <a:spAutoFit/>
-          </a:bodyPr>
-          <a:lstStyle/>
-          <a:p>
-            <a:r>
-              <a:rPr lang="en-US" sz="1400" b="1" dirty="0" smtClean="0">
-                <a:latin typeface="Times"/>
-                <a:cs typeface="Times"/>
-              </a:rPr>
-              <a:t>Fig.2</a:t>
-            </a:r>
-            <a:endParaRPr lang="en-US" sz="1400" b="1" dirty="0">
-              <a:latin typeface="Times"/>
-              <a:cs typeface="Times"/>
-            </a:endParaRPr>
-          </a:p>
-        </p:txBody>
-      </p:sp>
     </p:spTree>
     <p:extLst>
       <p:ext uri="{BB962C8B-B14F-4D97-AF65-F5344CB8AC3E}">
@@ -20958,75 +20103,15 @@
           </a:p>
         </p:txBody>
       </p:sp>
-      <p:cxnSp>
-        <p:nvCxnSpPr>
-          <p:cNvPr id="235" name="Straight Connector 234"/>
-          <p:cNvCxnSpPr/>
-          <p:nvPr/>
-        </p:nvCxnSpPr>
-        <p:spPr>
-          <a:xfrm flipH="1">
-            <a:off x="6157183" y="5581241"/>
-            <a:ext cx="113514" cy="319068"/>
-          </a:xfrm>
-          <a:prstGeom prst="line">
-            <a:avLst/>
-          </a:prstGeom>
-        </p:spPr>
-        <p:style>
-          <a:lnRef idx="1">
-            <a:schemeClr val="dk1"/>
-          </a:lnRef>
-          <a:fillRef idx="0">
-            <a:schemeClr val="dk1"/>
-          </a:fillRef>
-          <a:effectRef idx="0">
-            <a:schemeClr val="dk1"/>
-          </a:effectRef>
-          <a:fontRef idx="minor">
-            <a:schemeClr val="tx1"/>
-          </a:fontRef>
-        </p:style>
-      </p:cxnSp>
-      <p:cxnSp>
-        <p:nvCxnSpPr>
-          <p:cNvPr id="236" name="Straight Connector 235"/>
-          <p:cNvCxnSpPr/>
-          <p:nvPr/>
-        </p:nvCxnSpPr>
-        <p:spPr>
-          <a:xfrm>
-            <a:off x="6441129" y="5581241"/>
-            <a:ext cx="139745" cy="319068"/>
-          </a:xfrm>
-          <a:prstGeom prst="line">
-            <a:avLst/>
-          </a:prstGeom>
-        </p:spPr>
-        <p:style>
-          <a:lnRef idx="1">
-            <a:schemeClr val="dk1"/>
-          </a:lnRef>
-          <a:fillRef idx="0">
-            <a:schemeClr val="dk1"/>
-          </a:fillRef>
-          <a:effectRef idx="0">
-            <a:schemeClr val="dk1"/>
-          </a:effectRef>
-          <a:fontRef idx="minor">
-            <a:schemeClr val="tx1"/>
-          </a:fontRef>
-        </p:style>
-      </p:cxnSp>
-      <p:sp>
-        <p:nvSpPr>
-          <p:cNvPr id="237" name="Oval 236"/>
-          <p:cNvSpPr/>
-          <p:nvPr/>
-        </p:nvSpPr>
-        <p:spPr>
-          <a:xfrm>
-            <a:off x="6030349" y="5902806"/>
+      <p:sp>
+        <p:nvSpPr>
+          <p:cNvPr id="238" name="Oval 237"/>
+          <p:cNvSpPr/>
+          <p:nvPr/>
+        </p:nvSpPr>
+        <p:spPr>
+          <a:xfrm>
+            <a:off x="6238369" y="5897599"/>
             <a:ext cx="241028" cy="241038"/>
           </a:xfrm>
           <a:prstGeom prst="ellipse">
@@ -21075,68 +20160,13 @@
       </p:sp>
       <p:sp>
         <p:nvSpPr>
-          <p:cNvPr id="238" name="Oval 237"/>
-          <p:cNvSpPr/>
-          <p:nvPr/>
-        </p:nvSpPr>
-        <p:spPr>
-          <a:xfrm>
-            <a:off x="6470119" y="5897599"/>
-            <a:ext cx="241028" cy="241038"/>
-          </a:xfrm>
-          <a:prstGeom prst="ellipse">
-            <a:avLst/>
-          </a:prstGeom>
-          <a:solidFill>
-            <a:schemeClr val="bg1"/>
-          </a:solidFill>
-          <a:ln>
-            <a:solidFill>
-              <a:srgbClr val="000000"/>
-            </a:solidFill>
-          </a:ln>
-          <a:effectLst>
-            <a:outerShdw blurRad="40000" dist="23000" dir="5400000" rotWithShape="0">
-              <a:srgbClr val="000000">
-                <a:alpha val="35000"/>
-              </a:srgbClr>
-            </a:outerShdw>
-          </a:effectLst>
-        </p:spPr>
-        <p:style>
-          <a:lnRef idx="1">
-            <a:schemeClr val="accent1"/>
-          </a:lnRef>
-          <a:fillRef idx="3">
-            <a:schemeClr val="accent1"/>
-          </a:fillRef>
-          <a:effectRef idx="2">
-            <a:schemeClr val="accent1"/>
-          </a:effectRef>
-          <a:fontRef idx="minor">
-            <a:schemeClr val="lt1"/>
-          </a:fontRef>
-        </p:style>
-        <p:txBody>
-          <a:bodyPr rtlCol="0" anchor="ctr"/>
-          <a:lstStyle/>
-          <a:p>
-            <a:pPr algn="ctr"/>
-            <a:endParaRPr lang="en-US">
-              <a:effectLst/>
-            </a:endParaRPr>
-          </a:p>
-        </p:txBody>
-      </p:sp>
-      <p:sp>
-        <p:nvSpPr>
           <p:cNvPr id="239" name="Rectangle 238"/>
           <p:cNvSpPr/>
           <p:nvPr/>
         </p:nvSpPr>
         <p:spPr>
           <a:xfrm>
-            <a:off x="6345553" y="5863358"/>
+            <a:off x="6113803" y="5863358"/>
             <a:ext cx="505267" cy="276999"/>
           </a:xfrm>
           <a:prstGeom prst="rect">
@@ -21166,42 +20196,6 @@
       </p:sp>
       <p:sp>
         <p:nvSpPr>
-          <p:cNvPr id="240" name="Rectangle 239"/>
-          <p:cNvSpPr/>
-          <p:nvPr/>
-        </p:nvSpPr>
-        <p:spPr>
-          <a:xfrm>
-            <a:off x="5904673" y="5876693"/>
-            <a:ext cx="505267" cy="276999"/>
-          </a:xfrm>
-          <a:prstGeom prst="rect">
-            <a:avLst/>
-          </a:prstGeom>
-        </p:spPr>
-        <p:txBody>
-          <a:bodyPr wrap="none">
-            <a:spAutoFit/>
-          </a:bodyPr>
-          <a:lstStyle/>
-          <a:p>
-            <a:r>
-              <a:rPr lang="en-US" altLang="zh-CN" sz="1200" dirty="0" smtClean="0">
-                <a:latin typeface="Times"/>
-                <a:ea typeface="Lucida Grande"/>
-                <a:cs typeface="Times"/>
-              </a:rPr>
-              <a:t>AEC</a:t>
-            </a:r>
-            <a:endParaRPr lang="en-US" sz="1200" dirty="0">
-              <a:latin typeface="Times"/>
-              <a:cs typeface="Times"/>
-            </a:endParaRPr>
-          </a:p>
-        </p:txBody>
-      </p:sp>
-      <p:sp>
-        <p:nvSpPr>
           <p:cNvPr id="241" name="TextBox 240"/>
           <p:cNvSpPr txBox="1"/>
           <p:nvPr/>
@@ -21236,6 +20230,39 @@
           </a:p>
         </p:txBody>
       </p:sp>
+      <p:cxnSp>
+        <p:nvCxnSpPr>
+          <p:cNvPr id="6" name="Straight Connector 5"/>
+          <p:cNvCxnSpPr>
+            <a:stCxn id="222" idx="4"/>
+            <a:endCxn id="238" idx="0"/>
+          </p:cNvCxnSpPr>
+          <p:nvPr/>
+        </p:nvCxnSpPr>
+        <p:spPr>
+          <a:xfrm>
+            <a:off x="6337373" y="5588727"/>
+            <a:ext cx="21510" cy="308872"/>
+          </a:xfrm>
+          <a:prstGeom prst="line">
+            <a:avLst/>
+          </a:prstGeom>
+        </p:spPr>
+        <p:style>
+          <a:lnRef idx="1">
+            <a:schemeClr val="dk1"/>
+          </a:lnRef>
+          <a:fillRef idx="0">
+            <a:schemeClr val="dk1"/>
+          </a:fillRef>
+          <a:effectRef idx="0">
+            <a:schemeClr val="dk1"/>
+          </a:effectRef>
+          <a:fontRef idx="minor">
+            <a:schemeClr val="tx1"/>
+          </a:fontRef>
+        </p:style>
+      </p:cxnSp>
     </p:spTree>
     <p:extLst>
       <p:ext uri="{BB962C8B-B14F-4D97-AF65-F5344CB8AC3E}">
